--- a/Spring Introduction.pptx
+++ b/Spring Introduction.pptx
@@ -25,10 +25,20 @@
     <p:sldId id="272" r:id="rId19"/>
     <p:sldId id="273" r:id="rId20"/>
     <p:sldId id="274" r:id="rId21"/>
-    <p:sldId id="276" r:id="rId22"/>
-    <p:sldId id="277" r:id="rId23"/>
-    <p:sldId id="278" r:id="rId24"/>
-    <p:sldId id="279" r:id="rId25"/>
+    <p:sldId id="284" r:id="rId22"/>
+    <p:sldId id="283" r:id="rId23"/>
+    <p:sldId id="282" r:id="rId24"/>
+    <p:sldId id="276" r:id="rId25"/>
+    <p:sldId id="277" r:id="rId26"/>
+    <p:sldId id="278" r:id="rId27"/>
+    <p:sldId id="279" r:id="rId28"/>
+    <p:sldId id="280" r:id="rId29"/>
+    <p:sldId id="285" r:id="rId30"/>
+    <p:sldId id="286" r:id="rId31"/>
+    <p:sldId id="287" r:id="rId32"/>
+    <p:sldId id="288" r:id="rId33"/>
+    <p:sldId id="289" r:id="rId34"/>
+    <p:sldId id="290" r:id="rId35"/>
   </p:sldIdLst>
   <p:sldSz cx="12192000" cy="6858000"/>
   <p:notesSz cx="6858000" cy="9144000"/>
@@ -138,7 +148,7 @@
 <file path=ppt/revisionInfo.xml><?xml version="1.0" encoding="utf-8"?>
 <p1510:revInfo xmlns:a="http://schemas.openxmlformats.org/drawingml/2006/main" xmlns:r="http://schemas.openxmlformats.org/officeDocument/2006/relationships" xmlns:p1510="http://schemas.microsoft.com/office/powerpoint/2015/10/main">
   <p1510:revLst>
-    <p1510:client id="{5A5AC097-D6A9-4CAB-B11D-737BAB531D1E}" v="66" dt="2025-10-28T09:17:27.757"/>
+    <p1510:client id="{5A5AC097-D6A9-4CAB-B11D-737BAB531D1E}" v="105" dt="2025-10-30T09:55:16.193"/>
   </p1510:revLst>
 </p1510:revInfo>
 </file>
@@ -147,8 +157,8 @@
 <pc:chgInfo xmlns:a="http://schemas.openxmlformats.org/drawingml/2006/main" xmlns:r="http://schemas.openxmlformats.org/officeDocument/2006/relationships" xmlns:ac="http://schemas.microsoft.com/office/drawing/2013/main/command" xmlns:pc="http://schemas.microsoft.com/office/powerpoint/2013/main/command">
   <pc:docChgLst>
     <pc:chgData name="Gaurav Kothari" userId="ae0e5468ea62c2a0" providerId="LiveId" clId="{95702E18-22E4-4321-A6FD-987AA5C74287}"/>
-    <pc:docChg chg="undo custSel addSld modSld">
-      <pc:chgData name="Gaurav Kothari" userId="ae0e5468ea62c2a0" providerId="LiveId" clId="{95702E18-22E4-4321-A6FD-987AA5C74287}" dt="2025-10-28T09:17:27.757" v="605"/>
+    <pc:docChg chg="undo custSel addSld delSld modSld sldOrd">
+      <pc:chgData name="Gaurav Kothari" userId="ae0e5468ea62c2a0" providerId="LiveId" clId="{95702E18-22E4-4321-A6FD-987AA5C74287}" dt="2025-10-30T10:00:10.596" v="1228" actId="680"/>
       <pc:docMkLst>
         <pc:docMk/>
       </pc:docMkLst>
@@ -404,13 +414,13 @@
         </pc:spChg>
       </pc:sldChg>
       <pc:sldChg chg="modSp new mod">
-        <pc:chgData name="Gaurav Kothari" userId="ae0e5468ea62c2a0" providerId="LiveId" clId="{95702E18-22E4-4321-A6FD-987AA5C74287}" dt="2025-10-16T09:14:56.444" v="400" actId="5793"/>
+        <pc:chgData name="Gaurav Kothari" userId="ae0e5468ea62c2a0" providerId="LiveId" clId="{95702E18-22E4-4321-A6FD-987AA5C74287}" dt="2025-10-30T09:04:12.296" v="681" actId="20577"/>
         <pc:sldMkLst>
           <pc:docMk/>
           <pc:sldMk cId="2418999430" sldId="269"/>
         </pc:sldMkLst>
         <pc:spChg chg="mod">
-          <ac:chgData name="Gaurav Kothari" userId="ae0e5468ea62c2a0" providerId="LiveId" clId="{95702E18-22E4-4321-A6FD-987AA5C74287}" dt="2025-10-16T09:14:49.341" v="397" actId="14100"/>
+          <ac:chgData name="Gaurav Kothari" userId="ae0e5468ea62c2a0" providerId="LiveId" clId="{95702E18-22E4-4321-A6FD-987AA5C74287}" dt="2025-10-30T09:04:12.296" v="681" actId="20577"/>
           <ac:spMkLst>
             <pc:docMk/>
             <pc:sldMk cId="2418999430" sldId="269"/>
@@ -502,8 +512,8 @@
           </ac:spMkLst>
         </pc:spChg>
       </pc:sldChg>
-      <pc:sldChg chg="modSp new mod">
-        <pc:chgData name="Gaurav Kothari" userId="ae0e5468ea62c2a0" providerId="LiveId" clId="{95702E18-22E4-4321-A6FD-987AA5C74287}" dt="2025-10-16T09:24:07.140" v="485" actId="20577"/>
+      <pc:sldChg chg="modSp new mod ord">
+        <pc:chgData name="Gaurav Kothari" userId="ae0e5468ea62c2a0" providerId="LiveId" clId="{95702E18-22E4-4321-A6FD-987AA5C74287}" dt="2025-10-30T09:18:14.052" v="736" actId="14100"/>
         <pc:sldMkLst>
           <pc:docMk/>
           <pc:sldMk cId="4190959476" sldId="274"/>
@@ -517,7 +527,7 @@
           </ac:spMkLst>
         </pc:spChg>
         <pc:spChg chg="mod">
-          <ac:chgData name="Gaurav Kothari" userId="ae0e5468ea62c2a0" providerId="LiveId" clId="{95702E18-22E4-4321-A6FD-987AA5C74287}" dt="2025-10-16T09:24:07.140" v="485" actId="20577"/>
+          <ac:chgData name="Gaurav Kothari" userId="ae0e5468ea62c2a0" providerId="LiveId" clId="{95702E18-22E4-4321-A6FD-987AA5C74287}" dt="2025-10-30T09:18:14.052" v="736" actId="14100"/>
           <ac:spMkLst>
             <pc:docMk/>
             <pc:sldMk cId="4190959476" sldId="274"/>
@@ -618,7 +628,7 @@
         </pc:spChg>
       </pc:sldChg>
       <pc:sldChg chg="modSp new mod">
-        <pc:chgData name="Gaurav Kothari" userId="ae0e5468ea62c2a0" providerId="LiveId" clId="{95702E18-22E4-4321-A6FD-987AA5C74287}" dt="2025-10-28T09:17:27.757" v="605"/>
+        <pc:chgData name="Gaurav Kothari" userId="ae0e5468ea62c2a0" providerId="LiveId" clId="{95702E18-22E4-4321-A6FD-987AA5C74287}" dt="2025-10-30T08:56:58.951" v="606" actId="113"/>
         <pc:sldMkLst>
           <pc:docMk/>
           <pc:sldMk cId="4073880556" sldId="279"/>
@@ -632,13 +642,319 @@
           </ac:spMkLst>
         </pc:spChg>
         <pc:spChg chg="mod">
-          <ac:chgData name="Gaurav Kothari" userId="ae0e5468ea62c2a0" providerId="LiveId" clId="{95702E18-22E4-4321-A6FD-987AA5C74287}" dt="2025-10-28T09:17:27.757" v="605"/>
+          <ac:chgData name="Gaurav Kothari" userId="ae0e5468ea62c2a0" providerId="LiveId" clId="{95702E18-22E4-4321-A6FD-987AA5C74287}" dt="2025-10-30T08:56:58.951" v="606" actId="113"/>
           <ac:spMkLst>
             <pc:docMk/>
             <pc:sldMk cId="4073880556" sldId="279"/>
             <ac:spMk id="3" creationId="{168C88CF-FB66-06E6-FC76-1CC3400BA324}"/>
           </ac:spMkLst>
         </pc:spChg>
+      </pc:sldChg>
+      <pc:sldChg chg="addSp delSp modSp new mod">
+        <pc:chgData name="Gaurav Kothari" userId="ae0e5468ea62c2a0" providerId="LiveId" clId="{95702E18-22E4-4321-A6FD-987AA5C74287}" dt="2025-10-30T09:35:38.877" v="1010" actId="20577"/>
+        <pc:sldMkLst>
+          <pc:docMk/>
+          <pc:sldMk cId="1999674374" sldId="280"/>
+        </pc:sldMkLst>
+        <pc:spChg chg="mod">
+          <ac:chgData name="Gaurav Kothari" userId="ae0e5468ea62c2a0" providerId="LiveId" clId="{95702E18-22E4-4321-A6FD-987AA5C74287}" dt="2025-10-30T09:30:34.459" v="929" actId="113"/>
+          <ac:spMkLst>
+            <pc:docMk/>
+            <pc:sldMk cId="1999674374" sldId="280"/>
+            <ac:spMk id="2" creationId="{100D873E-6070-0B16-7963-799DF0978B3E}"/>
+          </ac:spMkLst>
+        </pc:spChg>
+        <pc:spChg chg="del">
+          <ac:chgData name="Gaurav Kothari" userId="ae0e5468ea62c2a0" providerId="LiveId" clId="{95702E18-22E4-4321-A6FD-987AA5C74287}" dt="2025-10-30T09:30:03.539" v="924"/>
+          <ac:spMkLst>
+            <pc:docMk/>
+            <pc:sldMk cId="1999674374" sldId="280"/>
+            <ac:spMk id="3" creationId="{8B54ECBA-4BF9-FE79-6F12-5F23652BFFEB}"/>
+          </ac:spMkLst>
+        </pc:spChg>
+        <pc:spChg chg="add mod">
+          <ac:chgData name="Gaurav Kothari" userId="ae0e5468ea62c2a0" providerId="LiveId" clId="{95702E18-22E4-4321-A6FD-987AA5C74287}" dt="2025-10-30T09:35:38.877" v="1010" actId="20577"/>
+          <ac:spMkLst>
+            <pc:docMk/>
+            <pc:sldMk cId="1999674374" sldId="280"/>
+            <ac:spMk id="4" creationId="{943851CE-E9A1-44A2-B5DD-1B88EC0917AF}"/>
+          </ac:spMkLst>
+        </pc:spChg>
+      </pc:sldChg>
+      <pc:sldChg chg="add del">
+        <pc:chgData name="Gaurav Kothari" userId="ae0e5468ea62c2a0" providerId="LiveId" clId="{95702E18-22E4-4321-A6FD-987AA5C74287}" dt="2025-10-30T09:18:56.923" v="767" actId="47"/>
+        <pc:sldMkLst>
+          <pc:docMk/>
+          <pc:sldMk cId="385335801" sldId="281"/>
+        </pc:sldMkLst>
+      </pc:sldChg>
+      <pc:sldChg chg="modSp new del mod">
+        <pc:chgData name="Gaurav Kothari" userId="ae0e5468ea62c2a0" providerId="LiveId" clId="{95702E18-22E4-4321-A6FD-987AA5C74287}" dt="2025-10-30T09:04:19.708" v="682" actId="2696"/>
+        <pc:sldMkLst>
+          <pc:docMk/>
+          <pc:sldMk cId="3690671657" sldId="281"/>
+        </pc:sldMkLst>
+        <pc:spChg chg="mod">
+          <ac:chgData name="Gaurav Kothari" userId="ae0e5468ea62c2a0" providerId="LiveId" clId="{95702E18-22E4-4321-A6FD-987AA5C74287}" dt="2025-10-30T09:00:57.950" v="610" actId="255"/>
+          <ac:spMkLst>
+            <pc:docMk/>
+            <pc:sldMk cId="3690671657" sldId="281"/>
+            <ac:spMk id="2" creationId="{A9603E45-FDE5-881E-0582-5B358337AFAC}"/>
+          </ac:spMkLst>
+        </pc:spChg>
+        <pc:spChg chg="mod">
+          <ac:chgData name="Gaurav Kothari" userId="ae0e5468ea62c2a0" providerId="LiveId" clId="{95702E18-22E4-4321-A6FD-987AA5C74287}" dt="2025-10-30T09:02:29.753" v="623" actId="14100"/>
+          <ac:spMkLst>
+            <pc:docMk/>
+            <pc:sldMk cId="3690671657" sldId="281"/>
+            <ac:spMk id="3" creationId="{2045AD6A-3FFD-8D8C-1C85-88ECEF7E28AA}"/>
+          </ac:spMkLst>
+        </pc:spChg>
+      </pc:sldChg>
+      <pc:sldChg chg="modSp add mod">
+        <pc:chgData name="Gaurav Kothari" userId="ae0e5468ea62c2a0" providerId="LiveId" clId="{95702E18-22E4-4321-A6FD-987AA5C74287}" dt="2025-10-30T09:19:56.516" v="784" actId="14100"/>
+        <pc:sldMkLst>
+          <pc:docMk/>
+          <pc:sldMk cId="2568934171" sldId="282"/>
+        </pc:sldMkLst>
+        <pc:spChg chg="mod">
+          <ac:chgData name="Gaurav Kothari" userId="ae0e5468ea62c2a0" providerId="LiveId" clId="{95702E18-22E4-4321-A6FD-987AA5C74287}" dt="2025-10-30T09:19:56.516" v="784" actId="14100"/>
+          <ac:spMkLst>
+            <pc:docMk/>
+            <pc:sldMk cId="2568934171" sldId="282"/>
+            <ac:spMk id="3" creationId="{CE6B375B-574A-990E-A6DA-557F893D14B0}"/>
+          </ac:spMkLst>
+        </pc:spChg>
+      </pc:sldChg>
+      <pc:sldChg chg="delSp modSp new del mod">
+        <pc:chgData name="Gaurav Kothari" userId="ae0e5468ea62c2a0" providerId="LiveId" clId="{95702E18-22E4-4321-A6FD-987AA5C74287}" dt="2025-10-30T09:04:19.708" v="682" actId="2696"/>
+        <pc:sldMkLst>
+          <pc:docMk/>
+          <pc:sldMk cId="3423125662" sldId="282"/>
+        </pc:sldMkLst>
+        <pc:spChg chg="del">
+          <ac:chgData name="Gaurav Kothari" userId="ae0e5468ea62c2a0" providerId="LiveId" clId="{95702E18-22E4-4321-A6FD-987AA5C74287}" dt="2025-10-30T09:02:36.172" v="624" actId="478"/>
+          <ac:spMkLst>
+            <pc:docMk/>
+            <pc:sldMk cId="3423125662" sldId="282"/>
+            <ac:spMk id="2" creationId="{CC101895-9E31-74C6-8B4A-6F7BB5350529}"/>
+          </ac:spMkLst>
+        </pc:spChg>
+        <pc:spChg chg="mod">
+          <ac:chgData name="Gaurav Kothari" userId="ae0e5468ea62c2a0" providerId="LiveId" clId="{95702E18-22E4-4321-A6FD-987AA5C74287}" dt="2025-10-30T09:03:18.636" v="640" actId="207"/>
+          <ac:spMkLst>
+            <pc:docMk/>
+            <pc:sldMk cId="3423125662" sldId="282"/>
+            <ac:spMk id="3" creationId="{CE6B375B-574A-990E-A6DA-557F893D14B0}"/>
+          </ac:spMkLst>
+        </pc:spChg>
+      </pc:sldChg>
+      <pc:sldChg chg="modSp new mod">
+        <pc:chgData name="Gaurav Kothari" userId="ae0e5468ea62c2a0" providerId="LiveId" clId="{95702E18-22E4-4321-A6FD-987AA5C74287}" dt="2025-10-30T09:28:31.565" v="922" actId="113"/>
+        <pc:sldMkLst>
+          <pc:docMk/>
+          <pc:sldMk cId="462103707" sldId="283"/>
+        </pc:sldMkLst>
+        <pc:spChg chg="mod">
+          <ac:chgData name="Gaurav Kothari" userId="ae0e5468ea62c2a0" providerId="LiveId" clId="{95702E18-22E4-4321-A6FD-987AA5C74287}" dt="2025-10-30T09:27:52.857" v="912" actId="27636"/>
+          <ac:spMkLst>
+            <pc:docMk/>
+            <pc:sldMk cId="462103707" sldId="283"/>
+            <ac:spMk id="2" creationId="{5752F491-27E6-A7E9-77C7-E4BB1ACB4DEF}"/>
+          </ac:spMkLst>
+        </pc:spChg>
+        <pc:spChg chg="mod">
+          <ac:chgData name="Gaurav Kothari" userId="ae0e5468ea62c2a0" providerId="LiveId" clId="{95702E18-22E4-4321-A6FD-987AA5C74287}" dt="2025-10-30T09:28:31.565" v="922" actId="113"/>
+          <ac:spMkLst>
+            <pc:docMk/>
+            <pc:sldMk cId="462103707" sldId="283"/>
+            <ac:spMk id="3" creationId="{53BFF1BF-6D88-F526-1B15-35F1C44BE269}"/>
+          </ac:spMkLst>
+        </pc:spChg>
+      </pc:sldChg>
+      <pc:sldChg chg="modSp new mod">
+        <pc:chgData name="Gaurav Kothari" userId="ae0e5468ea62c2a0" providerId="LiveId" clId="{95702E18-22E4-4321-A6FD-987AA5C74287}" dt="2025-10-30T09:25:30.489" v="893" actId="123"/>
+        <pc:sldMkLst>
+          <pc:docMk/>
+          <pc:sldMk cId="3241250658" sldId="284"/>
+        </pc:sldMkLst>
+        <pc:spChg chg="mod">
+          <ac:chgData name="Gaurav Kothari" userId="ae0e5468ea62c2a0" providerId="LiveId" clId="{95702E18-22E4-4321-A6FD-987AA5C74287}" dt="2025-10-30T09:25:15.542" v="889" actId="14100"/>
+          <ac:spMkLst>
+            <pc:docMk/>
+            <pc:sldMk cId="3241250658" sldId="284"/>
+            <ac:spMk id="2" creationId="{F1E72146-B7CF-1929-5C7C-42D95630CA39}"/>
+          </ac:spMkLst>
+        </pc:spChg>
+        <pc:spChg chg="mod">
+          <ac:chgData name="Gaurav Kothari" userId="ae0e5468ea62c2a0" providerId="LiveId" clId="{95702E18-22E4-4321-A6FD-987AA5C74287}" dt="2025-10-30T09:25:30.489" v="893" actId="123"/>
+          <ac:spMkLst>
+            <pc:docMk/>
+            <pc:sldMk cId="3241250658" sldId="284"/>
+            <ac:spMk id="3" creationId="{D1BDFB33-4638-300B-565A-C68F24B1EFB9}"/>
+          </ac:spMkLst>
+        </pc:spChg>
+      </pc:sldChg>
+      <pc:sldChg chg="modSp new mod">
+        <pc:chgData name="Gaurav Kothari" userId="ae0e5468ea62c2a0" providerId="LiveId" clId="{95702E18-22E4-4321-A6FD-987AA5C74287}" dt="2025-10-30T09:40:41.652" v="1076" actId="113"/>
+        <pc:sldMkLst>
+          <pc:docMk/>
+          <pc:sldMk cId="604645103" sldId="285"/>
+        </pc:sldMkLst>
+        <pc:spChg chg="mod">
+          <ac:chgData name="Gaurav Kothari" userId="ae0e5468ea62c2a0" providerId="LiveId" clId="{95702E18-22E4-4321-A6FD-987AA5C74287}" dt="2025-10-30T09:36:57.255" v="1039" actId="255"/>
+          <ac:spMkLst>
+            <pc:docMk/>
+            <pc:sldMk cId="604645103" sldId="285"/>
+            <ac:spMk id="2" creationId="{EB8C404A-504A-E1D5-DF33-E71228A2208D}"/>
+          </ac:spMkLst>
+        </pc:spChg>
+        <pc:spChg chg="mod">
+          <ac:chgData name="Gaurav Kothari" userId="ae0e5468ea62c2a0" providerId="LiveId" clId="{95702E18-22E4-4321-A6FD-987AA5C74287}" dt="2025-10-30T09:40:41.652" v="1076" actId="113"/>
+          <ac:spMkLst>
+            <pc:docMk/>
+            <pc:sldMk cId="604645103" sldId="285"/>
+            <ac:spMk id="3" creationId="{50E83103-0E5E-29C0-3052-5AA790C49B81}"/>
+          </ac:spMkLst>
+        </pc:spChg>
+      </pc:sldChg>
+      <pc:sldChg chg="addSp delSp modSp new del mod">
+        <pc:chgData name="Gaurav Kothari" userId="ae0e5468ea62c2a0" providerId="LiveId" clId="{95702E18-22E4-4321-A6FD-987AA5C74287}" dt="2025-10-30T09:36:38.908" v="1013" actId="47"/>
+        <pc:sldMkLst>
+          <pc:docMk/>
+          <pc:sldMk cId="3515996878" sldId="285"/>
+        </pc:sldMkLst>
+        <pc:spChg chg="mod">
+          <ac:chgData name="Gaurav Kothari" userId="ae0e5468ea62c2a0" providerId="LiveId" clId="{95702E18-22E4-4321-A6FD-987AA5C74287}" dt="2025-10-30T09:33:16.706" v="964" actId="113"/>
+          <ac:spMkLst>
+            <pc:docMk/>
+            <pc:sldMk cId="3515996878" sldId="285"/>
+            <ac:spMk id="2" creationId="{32A791B0-73F1-721E-E230-C7EC563C86B5}"/>
+          </ac:spMkLst>
+        </pc:spChg>
+        <pc:spChg chg="del">
+          <ac:chgData name="Gaurav Kothari" userId="ae0e5468ea62c2a0" providerId="LiveId" clId="{95702E18-22E4-4321-A6FD-987AA5C74287}" dt="2025-10-30T09:30:23.336" v="927"/>
+          <ac:spMkLst>
+            <pc:docMk/>
+            <pc:sldMk cId="3515996878" sldId="285"/>
+            <ac:spMk id="3" creationId="{94BE7EFB-F093-EFCD-24EB-56EEA3C1C9EC}"/>
+          </ac:spMkLst>
+        </pc:spChg>
+        <pc:spChg chg="add mod">
+          <ac:chgData name="Gaurav Kothari" userId="ae0e5468ea62c2a0" providerId="LiveId" clId="{95702E18-22E4-4321-A6FD-987AA5C74287}" dt="2025-10-30T09:36:29.428" v="1012"/>
+          <ac:spMkLst>
+            <pc:docMk/>
+            <pc:sldMk cId="3515996878" sldId="285"/>
+            <ac:spMk id="4" creationId="{33D4644B-4A2F-F7B5-0865-176DCFEE4EF4}"/>
+          </ac:spMkLst>
+        </pc:spChg>
+      </pc:sldChg>
+      <pc:sldChg chg="delSp modSp new mod">
+        <pc:chgData name="Gaurav Kothari" userId="ae0e5468ea62c2a0" providerId="LiveId" clId="{95702E18-22E4-4321-A6FD-987AA5C74287}" dt="2025-10-30T09:42:07.132" v="1086" actId="14100"/>
+        <pc:sldMkLst>
+          <pc:docMk/>
+          <pc:sldMk cId="1710532343" sldId="286"/>
+        </pc:sldMkLst>
+        <pc:spChg chg="del">
+          <ac:chgData name="Gaurav Kothari" userId="ae0e5468ea62c2a0" providerId="LiveId" clId="{95702E18-22E4-4321-A6FD-987AA5C74287}" dt="2025-10-30T09:41:46.130" v="1082" actId="478"/>
+          <ac:spMkLst>
+            <pc:docMk/>
+            <pc:sldMk cId="1710532343" sldId="286"/>
+            <ac:spMk id="2" creationId="{5DE0C0A8-4DC4-B751-6E93-C31280959C4E}"/>
+          </ac:spMkLst>
+        </pc:spChg>
+        <pc:spChg chg="mod">
+          <ac:chgData name="Gaurav Kothari" userId="ae0e5468ea62c2a0" providerId="LiveId" clId="{95702E18-22E4-4321-A6FD-987AA5C74287}" dt="2025-10-30T09:42:07.132" v="1086" actId="14100"/>
+          <ac:spMkLst>
+            <pc:docMk/>
+            <pc:sldMk cId="1710532343" sldId="286"/>
+            <ac:spMk id="3" creationId="{AF4AE69C-1A59-B0BB-F47B-E56098FCE8A1}"/>
+          </ac:spMkLst>
+        </pc:spChg>
+      </pc:sldChg>
+      <pc:sldChg chg="modSp new mod">
+        <pc:chgData name="Gaurav Kothari" userId="ae0e5468ea62c2a0" providerId="LiveId" clId="{95702E18-22E4-4321-A6FD-987AA5C74287}" dt="2025-10-30T09:53:31.768" v="1205" actId="27636"/>
+        <pc:sldMkLst>
+          <pc:docMk/>
+          <pc:sldMk cId="3690154575" sldId="287"/>
+        </pc:sldMkLst>
+        <pc:spChg chg="mod">
+          <ac:chgData name="Gaurav Kothari" userId="ae0e5468ea62c2a0" providerId="LiveId" clId="{95702E18-22E4-4321-A6FD-987AA5C74287}" dt="2025-10-30T09:46:52.721" v="1089" actId="255"/>
+          <ac:spMkLst>
+            <pc:docMk/>
+            <pc:sldMk cId="3690154575" sldId="287"/>
+            <ac:spMk id="2" creationId="{EF3C5B7E-259B-6B5B-FE9B-60CE3D430CC8}"/>
+          </ac:spMkLst>
+        </pc:spChg>
+        <pc:spChg chg="mod">
+          <ac:chgData name="Gaurav Kothari" userId="ae0e5468ea62c2a0" providerId="LiveId" clId="{95702E18-22E4-4321-A6FD-987AA5C74287}" dt="2025-10-30T09:53:31.768" v="1205" actId="27636"/>
+          <ac:spMkLst>
+            <pc:docMk/>
+            <pc:sldMk cId="3690154575" sldId="287"/>
+            <ac:spMk id="3" creationId="{64485755-6D93-C334-BFB0-163DDFDD3109}"/>
+          </ac:spMkLst>
+        </pc:spChg>
+      </pc:sldChg>
+      <pc:sldChg chg="addSp delSp modSp new mod">
+        <pc:chgData name="Gaurav Kothari" userId="ae0e5468ea62c2a0" providerId="LiveId" clId="{95702E18-22E4-4321-A6FD-987AA5C74287}" dt="2025-10-30T09:53:54.222" v="1211" actId="14100"/>
+        <pc:sldMkLst>
+          <pc:docMk/>
+          <pc:sldMk cId="4265479631" sldId="288"/>
+        </pc:sldMkLst>
+        <pc:spChg chg="del">
+          <ac:chgData name="Gaurav Kothari" userId="ae0e5468ea62c2a0" providerId="LiveId" clId="{95702E18-22E4-4321-A6FD-987AA5C74287}" dt="2025-10-30T09:53:40.468" v="1207" actId="478"/>
+          <ac:spMkLst>
+            <pc:docMk/>
+            <pc:sldMk cId="4265479631" sldId="288"/>
+            <ac:spMk id="2" creationId="{CB612A0C-9311-30DD-A85B-FE68B0061F74}"/>
+          </ac:spMkLst>
+        </pc:spChg>
+        <pc:spChg chg="del mod">
+          <ac:chgData name="Gaurav Kothari" userId="ae0e5468ea62c2a0" providerId="LiveId" clId="{95702E18-22E4-4321-A6FD-987AA5C74287}" dt="2025-10-30T09:53:48.529" v="1209"/>
+          <ac:spMkLst>
+            <pc:docMk/>
+            <pc:sldMk cId="4265479631" sldId="288"/>
+            <ac:spMk id="3" creationId="{08F5CEAB-AE6C-0490-B662-5BBD57DCEFAA}"/>
+          </ac:spMkLst>
+        </pc:spChg>
+        <pc:picChg chg="add mod">
+          <ac:chgData name="Gaurav Kothari" userId="ae0e5468ea62c2a0" providerId="LiveId" clId="{95702E18-22E4-4321-A6FD-987AA5C74287}" dt="2025-10-30T09:53:54.222" v="1211" actId="14100"/>
+          <ac:picMkLst>
+            <pc:docMk/>
+            <pc:sldMk cId="4265479631" sldId="288"/>
+            <ac:picMk id="4" creationId="{1FD9C8CD-8861-2A4C-45E4-BE8B07F263E7}"/>
+          </ac:picMkLst>
+        </pc:picChg>
+      </pc:sldChg>
+      <pc:sldChg chg="modSp new mod">
+        <pc:chgData name="Gaurav Kothari" userId="ae0e5468ea62c2a0" providerId="LiveId" clId="{95702E18-22E4-4321-A6FD-987AA5C74287}" dt="2025-10-30T09:59:19.269" v="1227" actId="123"/>
+        <pc:sldMkLst>
+          <pc:docMk/>
+          <pc:sldMk cId="818050764" sldId="289"/>
+        </pc:sldMkLst>
+        <pc:spChg chg="mod">
+          <ac:chgData name="Gaurav Kothari" userId="ae0e5468ea62c2a0" providerId="LiveId" clId="{95702E18-22E4-4321-A6FD-987AA5C74287}" dt="2025-10-30T09:54:38.077" v="1216" actId="14100"/>
+          <ac:spMkLst>
+            <pc:docMk/>
+            <pc:sldMk cId="818050764" sldId="289"/>
+            <ac:spMk id="2" creationId="{FDF42220-DA7C-380A-D451-E1F397496B64}"/>
+          </ac:spMkLst>
+        </pc:spChg>
+        <pc:spChg chg="mod">
+          <ac:chgData name="Gaurav Kothari" userId="ae0e5468ea62c2a0" providerId="LiveId" clId="{95702E18-22E4-4321-A6FD-987AA5C74287}" dt="2025-10-30T09:59:19.269" v="1227" actId="123"/>
+          <ac:spMkLst>
+            <pc:docMk/>
+            <pc:sldMk cId="818050764" sldId="289"/>
+            <ac:spMk id="3" creationId="{6C50C3DF-790D-4468-2110-3B54BDE2450B}"/>
+          </ac:spMkLst>
+        </pc:spChg>
+      </pc:sldChg>
+      <pc:sldChg chg="new">
+        <pc:chgData name="Gaurav Kothari" userId="ae0e5468ea62c2a0" providerId="LiveId" clId="{95702E18-22E4-4321-A6FD-987AA5C74287}" dt="2025-10-30T10:00:10.596" v="1228" actId="680"/>
+        <pc:sldMkLst>
+          <pc:docMk/>
+          <pc:sldMk cId="826855039" sldId="290"/>
+        </pc:sldMkLst>
       </pc:sldChg>
     </pc:docChg>
   </pc:docChgLst>
@@ -792,7 +1108,7 @@
           <a:p>
             <a:fld id="{D6CA6F74-D5BB-4741-B876-B3D56CA35B0C}" type="datetimeFigureOut">
               <a:rPr lang="en-US" smtClean="0"/>
-              <a:t>10/28/2025</a:t>
+              <a:t>10/30/2025</a:t>
             </a:fld>
             <a:endParaRPr lang="en-US"/>
           </a:p>
@@ -990,7 +1306,7 @@
           <a:p>
             <a:fld id="{D6CA6F74-D5BB-4741-B876-B3D56CA35B0C}" type="datetimeFigureOut">
               <a:rPr lang="en-US" smtClean="0"/>
-              <a:t>10/28/2025</a:t>
+              <a:t>10/30/2025</a:t>
             </a:fld>
             <a:endParaRPr lang="en-US"/>
           </a:p>
@@ -1198,7 +1514,7 @@
           <a:p>
             <a:fld id="{D6CA6F74-D5BB-4741-B876-B3D56CA35B0C}" type="datetimeFigureOut">
               <a:rPr lang="en-US" smtClean="0"/>
-              <a:t>10/28/2025</a:t>
+              <a:t>10/30/2025</a:t>
             </a:fld>
             <a:endParaRPr lang="en-US"/>
           </a:p>
@@ -1396,7 +1712,7 @@
           <a:p>
             <a:fld id="{D6CA6F74-D5BB-4741-B876-B3D56CA35B0C}" type="datetimeFigureOut">
               <a:rPr lang="en-US" smtClean="0"/>
-              <a:t>10/28/2025</a:t>
+              <a:t>10/30/2025</a:t>
             </a:fld>
             <a:endParaRPr lang="en-US"/>
           </a:p>
@@ -1671,7 +1987,7 @@
           <a:p>
             <a:fld id="{D6CA6F74-D5BB-4741-B876-B3D56CA35B0C}" type="datetimeFigureOut">
               <a:rPr lang="en-US" smtClean="0"/>
-              <a:t>10/28/2025</a:t>
+              <a:t>10/30/2025</a:t>
             </a:fld>
             <a:endParaRPr lang="en-US"/>
           </a:p>
@@ -1936,7 +2252,7 @@
           <a:p>
             <a:fld id="{D6CA6F74-D5BB-4741-B876-B3D56CA35B0C}" type="datetimeFigureOut">
               <a:rPr lang="en-US" smtClean="0"/>
-              <a:t>10/28/2025</a:t>
+              <a:t>10/30/2025</a:t>
             </a:fld>
             <a:endParaRPr lang="en-US"/>
           </a:p>
@@ -2348,7 +2664,7 @@
           <a:p>
             <a:fld id="{D6CA6F74-D5BB-4741-B876-B3D56CA35B0C}" type="datetimeFigureOut">
               <a:rPr lang="en-US" smtClean="0"/>
-              <a:t>10/28/2025</a:t>
+              <a:t>10/30/2025</a:t>
             </a:fld>
             <a:endParaRPr lang="en-US"/>
           </a:p>
@@ -2489,7 +2805,7 @@
           <a:p>
             <a:fld id="{D6CA6F74-D5BB-4741-B876-B3D56CA35B0C}" type="datetimeFigureOut">
               <a:rPr lang="en-US" smtClean="0"/>
-              <a:t>10/28/2025</a:t>
+              <a:t>10/30/2025</a:t>
             </a:fld>
             <a:endParaRPr lang="en-US"/>
           </a:p>
@@ -2602,7 +2918,7 @@
           <a:p>
             <a:fld id="{D6CA6F74-D5BB-4741-B876-B3D56CA35B0C}" type="datetimeFigureOut">
               <a:rPr lang="en-US" smtClean="0"/>
-              <a:t>10/28/2025</a:t>
+              <a:t>10/30/2025</a:t>
             </a:fld>
             <a:endParaRPr lang="en-US"/>
           </a:p>
@@ -2913,7 +3229,7 @@
           <a:p>
             <a:fld id="{D6CA6F74-D5BB-4741-B876-B3D56CA35B0C}" type="datetimeFigureOut">
               <a:rPr lang="en-US" smtClean="0"/>
-              <a:t>10/28/2025</a:t>
+              <a:t>10/30/2025</a:t>
             </a:fld>
             <a:endParaRPr lang="en-US"/>
           </a:p>
@@ -3201,7 +3517,7 @@
           <a:p>
             <a:fld id="{D6CA6F74-D5BB-4741-B876-B3D56CA35B0C}" type="datetimeFigureOut">
               <a:rPr lang="en-US" smtClean="0"/>
-              <a:t>10/28/2025</a:t>
+              <a:t>10/30/2025</a:t>
             </a:fld>
             <a:endParaRPr lang="en-US"/>
           </a:p>
@@ -3442,7 +3758,7 @@
           <a:p>
             <a:fld id="{D6CA6F74-D5BB-4741-B876-B3D56CA35B0C}" type="datetimeFigureOut">
               <a:rPr lang="en-US" smtClean="0"/>
-              <a:t>10/28/2025</a:t>
+              <a:t>10/30/2025</a:t>
             </a:fld>
             <a:endParaRPr lang="en-US"/>
           </a:p>
@@ -4728,7 +5044,7 @@
           <a:p>
             <a:r>
               <a:rPr lang="en-US" sz="3600" b="1" dirty="0"/>
-              <a:t>2. Inversion of Control (IOC) and Inversion of Control (IOC) Container</a:t>
+              <a:t>2. Inversion of Control (IOC)</a:t>
             </a:r>
             <a:br>
               <a:rPr lang="en-US" sz="3600" dirty="0"/>
@@ -5882,13 +6198,13 @@
         </p:nvSpPr>
         <p:spPr>
           <a:xfrm>
-            <a:off x="552893" y="1073888"/>
-            <a:ext cx="11238614" cy="5784112"/>
+            <a:off x="552893" y="1850064"/>
+            <a:ext cx="11238614" cy="5007935"/>
           </a:xfrm>
         </p:spPr>
         <p:txBody>
           <a:bodyPr>
-            <a:normAutofit lnSpcReduction="10000"/>
+            <a:normAutofit/>
           </a:bodyPr>
           <a:lstStyle/>
           <a:p>
@@ -5899,91 +6215,19 @@
             </a:r>
           </a:p>
           <a:p>
-            <a:pPr marL="0" indent="0" algn="just">
-              <a:buNone/>
-            </a:pPr>
-            <a:endParaRPr lang="en-US" dirty="0"/>
-          </a:p>
-          <a:p>
-            <a:pPr algn="just"/>
-            <a:r>
-              <a:rPr lang="en-US" b="1" dirty="0"/>
-              <a:t>Types of IoC Containers</a:t>
-            </a:r>
-          </a:p>
-          <a:p>
-            <a:pPr marL="0" indent="0" algn="just">
-              <a:buNone/>
-            </a:pPr>
-            <a:endParaRPr lang="en-US" dirty="0"/>
-          </a:p>
-          <a:p>
-            <a:pPr marL="457200" lvl="1" indent="0" algn="just">
-              <a:buNone/>
-            </a:pPr>
-            <a:r>
-              <a:rPr lang="en-US" sz="2600" b="1" dirty="0"/>
-              <a:t>1. </a:t>
-            </a:r>
-            <a:r>
-              <a:rPr lang="en-US" sz="2600" b="1" dirty="0" err="1"/>
-              <a:t>BeanFactory</a:t>
-            </a:r>
-            <a:r>
-              <a:rPr lang="en-US" sz="2600" b="1" dirty="0"/>
-              <a:t>:</a:t>
-            </a:r>
-            <a:r>
-              <a:rPr lang="en-US" sz="2600" dirty="0"/>
-              <a:t> The most basic version of the IoC container, providing the fundamental features of dependency injection.</a:t>
-            </a:r>
-          </a:p>
-          <a:p>
-            <a:pPr marL="457200" lvl="1" indent="0" algn="just">
-              <a:buNone/>
-            </a:pPr>
-            <a:endParaRPr lang="en-US" sz="2600" dirty="0"/>
-          </a:p>
-          <a:p>
-            <a:pPr marL="457200" lvl="1" indent="0" algn="just">
-              <a:buNone/>
-            </a:pPr>
-            <a:r>
-              <a:rPr lang="en-US" sz="2600" b="1" dirty="0"/>
-              <a:t>2. </a:t>
-            </a:r>
-            <a:r>
-              <a:rPr lang="en-US" sz="2600" b="1" dirty="0" err="1"/>
-              <a:t>ApplicationContext</a:t>
-            </a:r>
-            <a:r>
-              <a:rPr lang="en-US" sz="2600" b="1" dirty="0"/>
-              <a:t>:</a:t>
-            </a:r>
-            <a:r>
-              <a:rPr lang="en-US" sz="2600" dirty="0"/>
-              <a:t> Extends </a:t>
-            </a:r>
-            <a:r>
-              <a:rPr lang="en-US" sz="2600" dirty="0" err="1"/>
-              <a:t>BeanFactory</a:t>
-            </a:r>
-            <a:r>
-              <a:rPr lang="en-US" sz="2600" dirty="0"/>
-              <a:t> and adds more enterprise-specific functionality such as integration with Spring's AOP, message resource handling, event propagation, and application layer-specific contexts (e.g., </a:t>
-            </a:r>
-            <a:r>
-              <a:rPr lang="en-US" sz="2600" dirty="0" err="1"/>
-              <a:t>WebApplicationContext</a:t>
-            </a:r>
-            <a:r>
-              <a:rPr lang="en-US" sz="2600" dirty="0"/>
-              <a:t>).</a:t>
-            </a:r>
-          </a:p>
-          <a:p>
             <a:pPr algn="just"/>
             <a:endParaRPr lang="en-US" dirty="0"/>
+          </a:p>
+          <a:p>
+            <a:pPr algn="just"/>
+            <a:r>
+              <a:rPr lang="en-US" b="1" dirty="0"/>
+              <a:t>Spring Container is the implementation of the IoC container</a:t>
+            </a:r>
+            <a:r>
+              <a:rPr lang="en-US" dirty="0"/>
+              <a:t> within the Spring Framework. It’s how Spring actually delivers the inversion of control mechanism.</a:t>
+            </a:r>
           </a:p>
         </p:txBody>
       </p:sp>
@@ -6001,6 +6245,676 @@
 </file>
 
 <file path=ppt/slides/slide21.xml><?xml version="1.0" encoding="utf-8"?>
+<p:sld xmlns:a="http://schemas.openxmlformats.org/drawingml/2006/main" xmlns:r="http://schemas.openxmlformats.org/officeDocument/2006/relationships" xmlns:p="http://schemas.openxmlformats.org/presentationml/2006/main">
+  <p:cSld>
+    <p:spTree>
+      <p:nvGrpSpPr>
+        <p:cNvPr id="1" name=""/>
+        <p:cNvGrpSpPr/>
+        <p:nvPr/>
+      </p:nvGrpSpPr>
+      <p:grpSpPr>
+        <a:xfrm>
+          <a:off x="0" y="0"/>
+          <a:ext cx="0" cy="0"/>
+          <a:chOff x="0" y="0"/>
+          <a:chExt cx="0" cy="0"/>
+        </a:xfrm>
+      </p:grpSpPr>
+      <p:sp>
+        <p:nvSpPr>
+          <p:cNvPr id="2" name="Title 1">
+            <a:extLst>
+              <a:ext uri="{FF2B5EF4-FFF2-40B4-BE49-F238E27FC236}">
+                <a16:creationId xmlns:a16="http://schemas.microsoft.com/office/drawing/2014/main" id="{F1E72146-B7CF-1929-5C7C-42D95630CA39}"/>
+              </a:ext>
+            </a:extLst>
+          </p:cNvPr>
+          <p:cNvSpPr>
+            <a:spLocks noGrp="1"/>
+          </p:cNvSpPr>
+          <p:nvPr>
+            <p:ph type="title"/>
+          </p:nvPr>
+        </p:nvSpPr>
+        <p:spPr>
+          <a:xfrm>
+            <a:off x="244549" y="170121"/>
+            <a:ext cx="11109251" cy="1520567"/>
+          </a:xfrm>
+        </p:spPr>
+        <p:txBody>
+          <a:bodyPr>
+            <a:normAutofit/>
+          </a:bodyPr>
+          <a:lstStyle/>
+          <a:p>
+            <a:r>
+              <a:rPr lang="en-US" sz="4300" b="1" dirty="0"/>
+              <a:t>Spring Container</a:t>
+            </a:r>
+            <a:br>
+              <a:rPr lang="en-US" sz="4300" dirty="0"/>
+            </a:br>
+            <a:endParaRPr lang="en-US" sz="4300" dirty="0"/>
+          </a:p>
+        </p:txBody>
+      </p:sp>
+      <p:sp>
+        <p:nvSpPr>
+          <p:cNvPr id="3" name="Content Placeholder 2">
+            <a:extLst>
+              <a:ext uri="{FF2B5EF4-FFF2-40B4-BE49-F238E27FC236}">
+                <a16:creationId xmlns:a16="http://schemas.microsoft.com/office/drawing/2014/main" id="{D1BDFB33-4638-300B-565A-C68F24B1EFB9}"/>
+              </a:ext>
+            </a:extLst>
+          </p:cNvPr>
+          <p:cNvSpPr>
+            <a:spLocks noGrp="1"/>
+          </p:cNvSpPr>
+          <p:nvPr>
+            <p:ph idx="1"/>
+          </p:nvPr>
+        </p:nvSpPr>
+        <p:spPr>
+          <a:xfrm>
+            <a:off x="244549" y="1233377"/>
+            <a:ext cx="11109251" cy="5454502"/>
+          </a:xfrm>
+        </p:spPr>
+        <p:txBody>
+          <a:bodyPr>
+            <a:normAutofit lnSpcReduction="10000"/>
+          </a:bodyPr>
+          <a:lstStyle/>
+          <a:p>
+            <a:pPr algn="just"/>
+            <a:r>
+              <a:rPr lang="en-US" dirty="0"/>
+              <a:t>In Java, the </a:t>
+            </a:r>
+            <a:r>
+              <a:rPr lang="en-US" b="1" dirty="0"/>
+              <a:t>Spring Container</a:t>
+            </a:r>
+            <a:r>
+              <a:rPr lang="en-US" dirty="0"/>
+              <a:t> is a core concept of the Spring Framework. It is responsible for managing the lifecycle, configuration, and dependencies of the objects (known as beans) in a Spring application. The container uses </a:t>
+            </a:r>
+            <a:r>
+              <a:rPr lang="en-US" b="1" dirty="0"/>
+              <a:t>Dependency Injection (DI)</a:t>
+            </a:r>
+            <a:r>
+              <a:rPr lang="en-US" dirty="0"/>
+              <a:t> to wire objects together and provides a consistent way to manage application components.</a:t>
+            </a:r>
+          </a:p>
+          <a:p>
+            <a:r>
+              <a:rPr lang="en-US" b="1" dirty="0"/>
+              <a:t>Key Features of the Spring Container:</a:t>
+            </a:r>
+            <a:endParaRPr lang="en-US" dirty="0"/>
+          </a:p>
+          <a:p>
+            <a:pPr marL="914400" lvl="1" indent="-457200" algn="just">
+              <a:buFont typeface="+mj-lt"/>
+              <a:buAutoNum type="alphaLcParenR"/>
+            </a:pPr>
+            <a:r>
+              <a:rPr lang="en-US" b="1" dirty="0"/>
+              <a:t>Bean Management</a:t>
+            </a:r>
+            <a:r>
+              <a:rPr lang="en-US" dirty="0"/>
+              <a:t>: It creates, configures, and manages the lifecycle of beans.</a:t>
+            </a:r>
+          </a:p>
+          <a:p>
+            <a:pPr marL="914400" lvl="1" indent="-457200" algn="just">
+              <a:buFont typeface="+mj-lt"/>
+              <a:buAutoNum type="alphaLcParenR"/>
+            </a:pPr>
+            <a:r>
+              <a:rPr lang="en-US" b="1" dirty="0"/>
+              <a:t>Dependency Injection</a:t>
+            </a:r>
+            <a:r>
+              <a:rPr lang="en-US" dirty="0"/>
+              <a:t>: Automatically injects dependencies into beans at runtime.</a:t>
+            </a:r>
+          </a:p>
+          <a:p>
+            <a:pPr marL="914400" lvl="1" indent="-457200" algn="just">
+              <a:buFont typeface="+mj-lt"/>
+              <a:buAutoNum type="alphaLcParenR"/>
+            </a:pPr>
+            <a:r>
+              <a:rPr lang="en-US" b="1" dirty="0"/>
+              <a:t>Configuration Support</a:t>
+            </a:r>
+            <a:r>
+              <a:rPr lang="en-US" dirty="0"/>
+              <a:t>: Supports multiple configuration styles, including XML, annotations, and Java-based configuration.</a:t>
+            </a:r>
+          </a:p>
+          <a:p>
+            <a:pPr marL="914400" lvl="1" indent="-457200" algn="just">
+              <a:buFont typeface="+mj-lt"/>
+              <a:buAutoNum type="alphaLcParenR"/>
+            </a:pPr>
+            <a:r>
+              <a:rPr lang="en-US" b="1" dirty="0"/>
+              <a:t>Inversion of Control (IoC)</a:t>
+            </a:r>
+            <a:r>
+              <a:rPr lang="en-US" dirty="0"/>
+              <a:t>: The container takes control of object creation and dependency management, reducing boilerplate code.</a:t>
+            </a:r>
+          </a:p>
+          <a:p>
+            <a:pPr algn="just"/>
+            <a:endParaRPr lang="en-US" dirty="0"/>
+          </a:p>
+          <a:p>
+            <a:pPr algn="just"/>
+            <a:endParaRPr lang="en-US" dirty="0"/>
+          </a:p>
+        </p:txBody>
+      </p:sp>
+    </p:spTree>
+    <p:extLst>
+      <p:ext uri="{BB962C8B-B14F-4D97-AF65-F5344CB8AC3E}">
+        <p14:creationId xmlns:p14="http://schemas.microsoft.com/office/powerpoint/2010/main" val="3241250658"/>
+      </p:ext>
+    </p:extLst>
+  </p:cSld>
+  <p:clrMapOvr>
+    <a:masterClrMapping/>
+  </p:clrMapOvr>
+</p:sld>
+</file>
+
+<file path=ppt/slides/slide22.xml><?xml version="1.0" encoding="utf-8"?>
+<p:sld xmlns:a="http://schemas.openxmlformats.org/drawingml/2006/main" xmlns:r="http://schemas.openxmlformats.org/officeDocument/2006/relationships" xmlns:p="http://schemas.openxmlformats.org/presentationml/2006/main">
+  <p:cSld>
+    <p:spTree>
+      <p:nvGrpSpPr>
+        <p:cNvPr id="1" name=""/>
+        <p:cNvGrpSpPr/>
+        <p:nvPr/>
+      </p:nvGrpSpPr>
+      <p:grpSpPr>
+        <a:xfrm>
+          <a:off x="0" y="0"/>
+          <a:ext cx="0" cy="0"/>
+          <a:chOff x="0" y="0"/>
+          <a:chExt cx="0" cy="0"/>
+        </a:xfrm>
+      </p:grpSpPr>
+      <p:sp>
+        <p:nvSpPr>
+          <p:cNvPr id="2" name="Title 1">
+            <a:extLst>
+              <a:ext uri="{FF2B5EF4-FFF2-40B4-BE49-F238E27FC236}">
+                <a16:creationId xmlns:a16="http://schemas.microsoft.com/office/drawing/2014/main" id="{5752F491-27E6-A7E9-77C7-E4BB1ACB4DEF}"/>
+              </a:ext>
+            </a:extLst>
+          </p:cNvPr>
+          <p:cNvSpPr>
+            <a:spLocks noGrp="1"/>
+          </p:cNvSpPr>
+          <p:nvPr>
+            <p:ph type="title"/>
+          </p:nvPr>
+        </p:nvSpPr>
+        <p:spPr>
+          <a:xfrm>
+            <a:off x="691116" y="393405"/>
+            <a:ext cx="10662684" cy="1297283"/>
+          </a:xfrm>
+        </p:spPr>
+        <p:txBody>
+          <a:bodyPr>
+            <a:normAutofit fontScale="90000"/>
+          </a:bodyPr>
+          <a:lstStyle/>
+          <a:p>
+            <a:r>
+              <a:rPr lang="en-US" sz="4300" b="1" dirty="0"/>
+              <a:t>Types of IoC Containers | Spring Containers</a:t>
+            </a:r>
+            <a:r>
+              <a:rPr lang="en-US" b="1" dirty="0"/>
+              <a:t> </a:t>
+            </a:r>
+            <a:br>
+              <a:rPr lang="en-US" b="1" dirty="0"/>
+            </a:br>
+            <a:endParaRPr lang="en-US" dirty="0"/>
+          </a:p>
+        </p:txBody>
+      </p:sp>
+      <p:sp>
+        <p:nvSpPr>
+          <p:cNvPr id="3" name="Content Placeholder 2">
+            <a:extLst>
+              <a:ext uri="{FF2B5EF4-FFF2-40B4-BE49-F238E27FC236}">
+                <a16:creationId xmlns:a16="http://schemas.microsoft.com/office/drawing/2014/main" id="{53BFF1BF-6D88-F526-1B15-35F1C44BE269}"/>
+              </a:ext>
+            </a:extLst>
+          </p:cNvPr>
+          <p:cNvSpPr>
+            <a:spLocks noGrp="1"/>
+          </p:cNvSpPr>
+          <p:nvPr>
+            <p:ph idx="1"/>
+          </p:nvPr>
+        </p:nvSpPr>
+        <p:spPr>
+          <a:xfrm>
+            <a:off x="202019" y="999460"/>
+            <a:ext cx="11536325" cy="5645889"/>
+          </a:xfrm>
+        </p:spPr>
+        <p:txBody>
+          <a:bodyPr>
+            <a:normAutofit/>
+          </a:bodyPr>
+          <a:lstStyle/>
+          <a:p>
+            <a:pPr marL="457200" lvl="1" indent="0" algn="just">
+              <a:buNone/>
+            </a:pPr>
+            <a:endParaRPr lang="en-US" sz="2600" b="1" dirty="0"/>
+          </a:p>
+          <a:p>
+            <a:pPr marL="457200" lvl="1" indent="0" algn="just">
+              <a:buNone/>
+            </a:pPr>
+            <a:r>
+              <a:rPr lang="en-US" sz="2600" b="1" dirty="0"/>
+              <a:t>1. </a:t>
+            </a:r>
+            <a:r>
+              <a:rPr lang="en-US" sz="2600" b="1" dirty="0" err="1"/>
+              <a:t>BeanFactory</a:t>
+            </a:r>
+            <a:r>
+              <a:rPr lang="en-US" sz="2600" b="1" dirty="0"/>
+              <a:t>:</a:t>
+            </a:r>
+            <a:r>
+              <a:rPr lang="en-US" sz="2600" dirty="0"/>
+              <a:t> The most basic version of the IoC container, providing the fundamental features of dependency injection. </a:t>
+            </a:r>
+            <a:r>
+              <a:rPr lang="en-US" dirty="0"/>
+              <a:t>Suitable for lightweight applications with minimal configuration</a:t>
+            </a:r>
+            <a:r>
+              <a:rPr lang="en-US" sz="2600" dirty="0"/>
+              <a:t>. A basic IoC container (lazy initialization).</a:t>
+            </a:r>
+          </a:p>
+          <a:p>
+            <a:pPr marL="457200" lvl="1" indent="0" algn="just">
+              <a:buNone/>
+            </a:pPr>
+            <a:endParaRPr lang="en-US" sz="2600" dirty="0"/>
+          </a:p>
+          <a:p>
+            <a:pPr marL="457200" lvl="1" indent="0" algn="just">
+              <a:buNone/>
+            </a:pPr>
+            <a:r>
+              <a:rPr lang="en-US" sz="2600" b="1" dirty="0"/>
+              <a:t>2. </a:t>
+            </a:r>
+            <a:r>
+              <a:rPr lang="en-US" sz="2600" b="1" dirty="0" err="1"/>
+              <a:t>ApplicationContext</a:t>
+            </a:r>
+            <a:r>
+              <a:rPr lang="en-US" sz="2600" b="1" dirty="0"/>
+              <a:t>:</a:t>
+            </a:r>
+            <a:r>
+              <a:rPr lang="en-US" sz="2600" dirty="0"/>
+              <a:t> Extends </a:t>
+            </a:r>
+            <a:r>
+              <a:rPr lang="en-US" sz="2600" dirty="0" err="1"/>
+              <a:t>BeanFactory</a:t>
+            </a:r>
+            <a:r>
+              <a:rPr lang="en-US" sz="2600" dirty="0"/>
+              <a:t> and adds more enterprise-specific functionality such as integration with Spring's AOP, message resource handling, event propagation, and application layer-specific contexts (e.g., </a:t>
+            </a:r>
+            <a:r>
+              <a:rPr lang="en-US" sz="2600" dirty="0" err="1"/>
+              <a:t>WebApplicationContext</a:t>
+            </a:r>
+            <a:r>
+              <a:rPr lang="en-US" sz="2600" dirty="0"/>
+              <a:t>). A more advanced container (eager initialization).</a:t>
+            </a:r>
+          </a:p>
+          <a:p>
+            <a:pPr marL="457200" lvl="1" indent="0" algn="just">
+              <a:buNone/>
+            </a:pPr>
+            <a:r>
+              <a:rPr lang="en-US" dirty="0"/>
+              <a:t>Common implementations: </a:t>
+            </a:r>
+          </a:p>
+          <a:p>
+            <a:pPr lvl="2"/>
+            <a:r>
+              <a:rPr lang="en-US" b="1" dirty="0" err="1"/>
+              <a:t>ClassPathXmlApplicationContext</a:t>
+            </a:r>
+            <a:r>
+              <a:rPr lang="en-US" b="1" dirty="0"/>
+              <a:t>:</a:t>
+            </a:r>
+            <a:r>
+              <a:rPr lang="en-US" dirty="0"/>
+              <a:t> Loads configuration from an XML file in the </a:t>
+            </a:r>
+            <a:r>
+              <a:rPr lang="en-US" dirty="0" err="1"/>
+              <a:t>classpath</a:t>
+            </a:r>
+            <a:r>
+              <a:rPr lang="en-US" dirty="0"/>
+              <a:t>.</a:t>
+            </a:r>
+          </a:p>
+          <a:p>
+            <a:pPr lvl="2"/>
+            <a:r>
+              <a:rPr lang="en-US" b="1" dirty="0" err="1"/>
+              <a:t>AnnotationConfigApplicationContext</a:t>
+            </a:r>
+            <a:r>
+              <a:rPr lang="en-US" b="1" dirty="0"/>
+              <a:t>:</a:t>
+            </a:r>
+            <a:r>
+              <a:rPr lang="en-US" dirty="0"/>
+              <a:t> Uses Java-based configuration with annotations.</a:t>
+            </a:r>
+          </a:p>
+          <a:p>
+            <a:pPr lvl="2"/>
+            <a:r>
+              <a:rPr lang="en-US" b="1" dirty="0" err="1"/>
+              <a:t>FileSystemXmlApplicationContext</a:t>
+            </a:r>
+            <a:r>
+              <a:rPr lang="en-US" b="1" dirty="0"/>
+              <a:t>:</a:t>
+            </a:r>
+            <a:r>
+              <a:rPr lang="en-US" dirty="0"/>
+              <a:t> Loads configuration from an XML file in the file system.</a:t>
+            </a:r>
+          </a:p>
+          <a:p>
+            <a:pPr lvl="2"/>
+            <a:endParaRPr lang="en-US" dirty="0"/>
+          </a:p>
+          <a:p>
+            <a:pPr marL="457200" lvl="1" indent="0" algn="just">
+              <a:buNone/>
+            </a:pPr>
+            <a:endParaRPr lang="en-US" sz="2600" dirty="0"/>
+          </a:p>
+          <a:p>
+            <a:pPr marL="457200" lvl="1" indent="0" algn="just">
+              <a:buNone/>
+            </a:pPr>
+            <a:endParaRPr lang="en-US" sz="2600" dirty="0"/>
+          </a:p>
+          <a:p>
+            <a:endParaRPr lang="en-US" dirty="0"/>
+          </a:p>
+        </p:txBody>
+      </p:sp>
+    </p:spTree>
+    <p:extLst>
+      <p:ext uri="{BB962C8B-B14F-4D97-AF65-F5344CB8AC3E}">
+        <p14:creationId xmlns:p14="http://schemas.microsoft.com/office/powerpoint/2010/main" val="462103707"/>
+      </p:ext>
+    </p:extLst>
+  </p:cSld>
+  <p:clrMapOvr>
+    <a:masterClrMapping/>
+  </p:clrMapOvr>
+</p:sld>
+</file>
+
+<file path=ppt/slides/slide23.xml><?xml version="1.0" encoding="utf-8"?>
+<p:sld xmlns:a="http://schemas.openxmlformats.org/drawingml/2006/main" xmlns:r="http://schemas.openxmlformats.org/officeDocument/2006/relationships" xmlns:p="http://schemas.openxmlformats.org/presentationml/2006/main">
+  <p:cSld>
+    <p:spTree>
+      <p:nvGrpSpPr>
+        <p:cNvPr id="1" name=""/>
+        <p:cNvGrpSpPr/>
+        <p:nvPr/>
+      </p:nvGrpSpPr>
+      <p:grpSpPr>
+        <a:xfrm>
+          <a:off x="0" y="0"/>
+          <a:ext cx="0" cy="0"/>
+          <a:chOff x="0" y="0"/>
+          <a:chExt cx="0" cy="0"/>
+        </a:xfrm>
+      </p:grpSpPr>
+      <p:sp>
+        <p:nvSpPr>
+          <p:cNvPr id="3" name="Content Placeholder 2">
+            <a:extLst>
+              <a:ext uri="{FF2B5EF4-FFF2-40B4-BE49-F238E27FC236}">
+                <a16:creationId xmlns:a16="http://schemas.microsoft.com/office/drawing/2014/main" id="{CE6B375B-574A-990E-A6DA-557F893D14B0}"/>
+              </a:ext>
+            </a:extLst>
+          </p:cNvPr>
+          <p:cNvSpPr>
+            <a:spLocks noGrp="1"/>
+          </p:cNvSpPr>
+          <p:nvPr>
+            <p:ph idx="1"/>
+          </p:nvPr>
+        </p:nvSpPr>
+        <p:spPr>
+          <a:xfrm>
+            <a:off x="265815" y="552893"/>
+            <a:ext cx="11621386" cy="6124354"/>
+          </a:xfrm>
+        </p:spPr>
+        <p:txBody>
+          <a:bodyPr>
+            <a:normAutofit/>
+          </a:bodyPr>
+          <a:lstStyle/>
+          <a:p>
+            <a:pPr marL="0" indent="0">
+              <a:buNone/>
+            </a:pPr>
+            <a:r>
+              <a:rPr lang="en-US" b="1" dirty="0">
+                <a:solidFill>
+                  <a:srgbClr val="FF0000"/>
+                </a:solidFill>
+              </a:rPr>
+              <a:t>Note : So, yes, the Spring Container </a:t>
+            </a:r>
+            <a:r>
+              <a:rPr lang="en-US" b="1" i="1" dirty="0">
+                <a:solidFill>
+                  <a:srgbClr val="FF0000"/>
+                </a:solidFill>
+              </a:rPr>
+              <a:t>is</a:t>
+            </a:r>
+            <a:r>
+              <a:rPr lang="en-US" b="1" dirty="0">
+                <a:solidFill>
+                  <a:srgbClr val="FF0000"/>
+                </a:solidFill>
+              </a:rPr>
+              <a:t> an IoC container—but not all IoC containers are Spring Containers.</a:t>
+            </a:r>
+          </a:p>
+          <a:p>
+            <a:r>
+              <a:rPr lang="en-US" b="1" dirty="0"/>
+              <a:t>Think of:</a:t>
+            </a:r>
+          </a:p>
+          <a:p>
+            <a:pPr marL="0" lvl="0" indent="0">
+              <a:buNone/>
+            </a:pPr>
+            <a:r>
+              <a:rPr lang="en-US" dirty="0"/>
+              <a:t>	Vehicle = Concept (IoC)</a:t>
+            </a:r>
+          </a:p>
+          <a:p>
+            <a:pPr marL="0" lvl="0" indent="0">
+              <a:buNone/>
+            </a:pPr>
+            <a:r>
+              <a:rPr lang="en-US" dirty="0"/>
+              <a:t>	Car, Bike, Bus = Implementations (Spring containers)</a:t>
+            </a:r>
+          </a:p>
+          <a:p>
+            <a:pPr marL="0" lvl="0" indent="0">
+              <a:buNone/>
+            </a:pPr>
+            <a:r>
+              <a:rPr lang="en-US" dirty="0"/>
+              <a:t>	Maruti Swift (Car), Honda Activa (Bike) = Specific implementations 	(</a:t>
+            </a:r>
+            <a:r>
+              <a:rPr lang="en-US" dirty="0" err="1"/>
+              <a:t>ApplicationContext</a:t>
+            </a:r>
+            <a:r>
+              <a:rPr lang="en-US" dirty="0"/>
+              <a:t>, </a:t>
+            </a:r>
+            <a:r>
+              <a:rPr lang="en-US" dirty="0" err="1"/>
+              <a:t>BeanFactory</a:t>
+            </a:r>
+            <a:r>
+              <a:rPr lang="en-US" dirty="0"/>
+              <a:t>)</a:t>
+            </a:r>
+          </a:p>
+          <a:p>
+            <a:r>
+              <a:rPr lang="en-US" b="1" dirty="0"/>
+              <a:t>Note : </a:t>
+            </a:r>
+          </a:p>
+          <a:p>
+            <a:pPr marL="0" lvl="0" indent="0">
+              <a:buNone/>
+            </a:pPr>
+            <a:r>
+              <a:rPr lang="en-US" dirty="0"/>
+              <a:t>	IoC is a </a:t>
+            </a:r>
+            <a:r>
+              <a:rPr lang="en-US" b="1" dirty="0"/>
+              <a:t>concept</a:t>
+            </a:r>
+            <a:endParaRPr lang="en-US" dirty="0"/>
+          </a:p>
+          <a:p>
+            <a:pPr marL="0" lvl="0" indent="0">
+              <a:buNone/>
+            </a:pPr>
+            <a:r>
+              <a:rPr lang="en-US" dirty="0"/>
+              <a:t>	Spring Container is its </a:t>
+            </a:r>
+            <a:r>
+              <a:rPr lang="en-US" b="1" dirty="0"/>
+              <a:t>implementation</a:t>
+            </a:r>
+            <a:endParaRPr lang="en-US" dirty="0"/>
+          </a:p>
+          <a:p>
+            <a:pPr marL="0" lvl="0" indent="0">
+              <a:buNone/>
+            </a:pPr>
+            <a:r>
+              <a:rPr lang="en-US" dirty="0"/>
+              <a:t>	</a:t>
+            </a:r>
+            <a:r>
+              <a:rPr lang="en-US" dirty="0" err="1"/>
+              <a:t>BeanFactory</a:t>
+            </a:r>
+            <a:r>
+              <a:rPr lang="en-US" dirty="0"/>
+              <a:t> &amp; </a:t>
+            </a:r>
+            <a:r>
+              <a:rPr lang="en-US" dirty="0" err="1"/>
+              <a:t>ApplicationContext</a:t>
+            </a:r>
+            <a:r>
+              <a:rPr lang="en-US" dirty="0"/>
+              <a:t> are </a:t>
+            </a:r>
+            <a:r>
+              <a:rPr lang="en-US" b="1" dirty="0"/>
+              <a:t>types</a:t>
+            </a:r>
+            <a:r>
+              <a:rPr lang="en-US" dirty="0"/>
+              <a:t> of that implementation</a:t>
+            </a:r>
+          </a:p>
+          <a:p>
+            <a:pPr marL="0" indent="0">
+              <a:buNone/>
+            </a:pPr>
+            <a:endParaRPr lang="en-US" b="1" dirty="0">
+              <a:solidFill>
+                <a:srgbClr val="FF0000"/>
+              </a:solidFill>
+            </a:endParaRPr>
+          </a:p>
+          <a:p>
+            <a:endParaRPr lang="en-US" dirty="0"/>
+          </a:p>
+        </p:txBody>
+      </p:sp>
+    </p:spTree>
+    <p:extLst>
+      <p:ext uri="{BB962C8B-B14F-4D97-AF65-F5344CB8AC3E}">
+        <p14:creationId xmlns:p14="http://schemas.microsoft.com/office/powerpoint/2010/main" val="2568934171"/>
+      </p:ext>
+    </p:extLst>
+  </p:cSld>
+  <p:clrMapOvr>
+    <a:masterClrMapping/>
+  </p:clrMapOvr>
+</p:sld>
+</file>
+
+<file path=ppt/slides/slide24.xml><?xml version="1.0" encoding="utf-8"?>
 <p:sld xmlns:a="http://schemas.openxmlformats.org/drawingml/2006/main" xmlns:r="http://schemas.openxmlformats.org/officeDocument/2006/relationships" xmlns:p="http://schemas.openxmlformats.org/presentationml/2006/main">
   <p:cSld>
     <p:spTree>
@@ -6868,7 +7782,7 @@
 </p:sld>
 </file>
 
-<file path=ppt/slides/slide22.xml><?xml version="1.0" encoding="utf-8"?>
+<file path=ppt/slides/slide25.xml><?xml version="1.0" encoding="utf-8"?>
 <p:sld xmlns:a="http://schemas.openxmlformats.org/drawingml/2006/main" xmlns:r="http://schemas.openxmlformats.org/officeDocument/2006/relationships" xmlns:p="http://schemas.openxmlformats.org/presentationml/2006/main">
   <p:cSld>
     <p:spTree>
@@ -7035,7 +7949,7 @@
 </p:sld>
 </file>
 
-<file path=ppt/slides/slide23.xml><?xml version="1.0" encoding="utf-8"?>
+<file path=ppt/slides/slide26.xml><?xml version="1.0" encoding="utf-8"?>
 <p:sld xmlns:a="http://schemas.openxmlformats.org/drawingml/2006/main" xmlns:r="http://schemas.openxmlformats.org/officeDocument/2006/relationships" xmlns:p="http://schemas.openxmlformats.org/presentationml/2006/main">
   <p:cSld>
     <p:spTree>
@@ -7170,7 +8084,7 @@
 </p:sld>
 </file>
 
-<file path=ppt/slides/slide24.xml><?xml version="1.0" encoding="utf-8"?>
+<file path=ppt/slides/slide27.xml><?xml version="1.0" encoding="utf-8"?>
 <p:sld xmlns:a="http://schemas.openxmlformats.org/drawingml/2006/main" xmlns:r="http://schemas.openxmlformats.org/officeDocument/2006/relationships" xmlns:p="http://schemas.openxmlformats.org/presentationml/2006/main">
   <p:cSld>
     <p:spTree>
@@ -7243,34 +8157,33 @@
           <a:lstStyle/>
           <a:p>
             <a:r>
-              <a:rPr lang="en-US" b="1" dirty="0"/>
+              <a:rPr lang="en-US" dirty="0"/>
               <a:t>High Adoption Rate</a:t>
             </a:r>
           </a:p>
           <a:p>
             <a:r>
-              <a:rPr lang="en-US" b="1" dirty="0"/>
+              <a:rPr lang="en-US" dirty="0"/>
               <a:t>Market Share</a:t>
             </a:r>
           </a:p>
           <a:p>
             <a:r>
-              <a:rPr lang="en-US" b="1" dirty="0"/>
+              <a:rPr lang="en-US" dirty="0"/>
               <a:t>Competitive Landscape</a:t>
             </a:r>
           </a:p>
           <a:p>
             <a:r>
-              <a:rPr lang="en-US" b="1" dirty="0"/>
+              <a:rPr lang="en-US" dirty="0"/>
               <a:t>Industry Growth</a:t>
             </a:r>
           </a:p>
           <a:p>
             <a:r>
-              <a:rPr lang="en-US" b="1" dirty="0"/>
+              <a:rPr lang="en-US" dirty="0"/>
               <a:t>Career Growth</a:t>
             </a:r>
-            <a:endParaRPr lang="en-US" dirty="0"/>
           </a:p>
         </p:txBody>
       </p:sp>
@@ -7278,6 +8191,779 @@
     <p:extLst>
       <p:ext uri="{BB962C8B-B14F-4D97-AF65-F5344CB8AC3E}">
         <p14:creationId xmlns:p14="http://schemas.microsoft.com/office/powerpoint/2010/main" val="4073880556"/>
+      </p:ext>
+    </p:extLst>
+  </p:cSld>
+  <p:clrMapOvr>
+    <a:masterClrMapping/>
+  </p:clrMapOvr>
+</p:sld>
+</file>
+
+<file path=ppt/slides/slide28.xml><?xml version="1.0" encoding="utf-8"?>
+<p:sld xmlns:a="http://schemas.openxmlformats.org/drawingml/2006/main" xmlns:r="http://schemas.openxmlformats.org/officeDocument/2006/relationships" xmlns:p="http://schemas.openxmlformats.org/presentationml/2006/main">
+  <p:cSld>
+    <p:spTree>
+      <p:nvGrpSpPr>
+        <p:cNvPr id="1" name=""/>
+        <p:cNvGrpSpPr/>
+        <p:nvPr/>
+      </p:nvGrpSpPr>
+      <p:grpSpPr>
+        <a:xfrm>
+          <a:off x="0" y="0"/>
+          <a:ext cx="0" cy="0"/>
+          <a:chOff x="0" y="0"/>
+          <a:chExt cx="0" cy="0"/>
+        </a:xfrm>
+      </p:grpSpPr>
+      <p:sp>
+        <p:nvSpPr>
+          <p:cNvPr id="2" name="Title 1">
+            <a:extLst>
+              <a:ext uri="{FF2B5EF4-FFF2-40B4-BE49-F238E27FC236}">
+                <a16:creationId xmlns:a16="http://schemas.microsoft.com/office/drawing/2014/main" id="{100D873E-6070-0B16-7963-799DF0978B3E}"/>
+              </a:ext>
+            </a:extLst>
+          </p:cNvPr>
+          <p:cNvSpPr>
+            <a:spLocks noGrp="1"/>
+          </p:cNvSpPr>
+          <p:nvPr>
+            <p:ph type="title"/>
+          </p:nvPr>
+        </p:nvSpPr>
+        <p:spPr/>
+        <p:txBody>
+          <a:bodyPr>
+            <a:normAutofit/>
+          </a:bodyPr>
+          <a:lstStyle/>
+          <a:p>
+            <a:r>
+              <a:rPr lang="en-US" sz="4300" b="1" dirty="0"/>
+              <a:t>What Is Spring Framework?</a:t>
+            </a:r>
+          </a:p>
+        </p:txBody>
+      </p:sp>
+      <p:sp>
+        <p:nvSpPr>
+          <p:cNvPr id="4" name="Rectangle 1">
+            <a:extLst>
+              <a:ext uri="{FF2B5EF4-FFF2-40B4-BE49-F238E27FC236}">
+                <a16:creationId xmlns:a16="http://schemas.microsoft.com/office/drawing/2014/main" id="{943851CE-E9A1-44A2-B5DD-1B88EC0917AF}"/>
+              </a:ext>
+            </a:extLst>
+          </p:cNvPr>
+          <p:cNvSpPr>
+            <a:spLocks noGrp="1" noChangeArrowheads="1"/>
+          </p:cNvSpPr>
+          <p:nvPr>
+            <p:ph idx="1"/>
+          </p:nvPr>
+        </p:nvSpPr>
+        <p:spPr bwMode="auto">
+          <a:xfrm>
+            <a:off x="838200" y="1561463"/>
+            <a:ext cx="10846981" cy="5293757"/>
+          </a:xfrm>
+          <a:prstGeom prst="rect">
+            <a:avLst/>
+          </a:prstGeom>
+          <a:noFill/>
+          <a:ln>
+            <a:noFill/>
+          </a:ln>
+          <a:effectLst/>
+          <a:extLst>
+            <a:ext uri="{909E8E84-426E-40DD-AFC4-6F175D3DCCD1}">
+              <a14:hiddenFill xmlns:a14="http://schemas.microsoft.com/office/drawing/2010/main">
+                <a:solidFill>
+                  <a:schemeClr val="accent1"/>
+                </a:solidFill>
+              </a14:hiddenFill>
+            </a:ext>
+            <a:ext uri="{91240B29-F687-4F45-9708-019B960494DF}">
+              <a14:hiddenLine xmlns:a14="http://schemas.microsoft.com/office/drawing/2010/main" w="9525">
+                <a:solidFill>
+                  <a:schemeClr val="tx1"/>
+                </a:solidFill>
+                <a:miter lim="800000"/>
+                <a:headEnd/>
+                <a:tailEnd/>
+              </a14:hiddenLine>
+            </a:ext>
+            <a:ext uri="{AF507438-7753-43E0-B8FC-AC1667EBCBE1}">
+              <a14:hiddenEffects xmlns:a14="http://schemas.microsoft.com/office/drawing/2010/main">
+                <a:effectLst>
+                  <a:outerShdw dist="35921" dir="2700000" algn="ctr" rotWithShape="0">
+                    <a:schemeClr val="bg2"/>
+                  </a:outerShdw>
+                </a:effectLst>
+              </a14:hiddenEffects>
+            </a:ext>
+          </a:extLst>
+        </p:spPr>
+        <p:txBody>
+          <a:bodyPr vert="horz" wrap="square" lIns="91440" tIns="45720" rIns="91440" bIns="45720" numCol="1" anchor="ctr" anchorCtr="0" compatLnSpc="1">
+            <a:prstTxWarp prst="textNoShape">
+              <a:avLst/>
+            </a:prstTxWarp>
+            <a:spAutoFit/>
+          </a:bodyPr>
+          <a:lstStyle/>
+          <a:p>
+            <a:pPr marL="0" marR="0" lvl="0" indent="0" algn="just" defTabSz="914400" rtl="0" eaLnBrk="0" fontAlgn="base" latinLnBrk="0" hangingPunct="0">
+              <a:lnSpc>
+                <a:spcPct val="100000"/>
+              </a:lnSpc>
+              <a:spcBef>
+                <a:spcPct val="0"/>
+              </a:spcBef>
+              <a:spcAft>
+                <a:spcPct val="0"/>
+              </a:spcAft>
+              <a:buClrTx/>
+              <a:buSzTx/>
+              <a:buFontTx/>
+              <a:buChar char="•"/>
+              <a:tabLst/>
+            </a:pPr>
+            <a:r>
+              <a:rPr kumimoji="0" lang="en-US" altLang="en-US" sz="2600" b="1" i="0" u="none" strike="noStrike" cap="none" normalizeH="0" baseline="0" dirty="0">
+                <a:ln>
+                  <a:noFill/>
+                </a:ln>
+                <a:solidFill>
+                  <a:schemeClr val="tx1"/>
+                </a:solidFill>
+                <a:effectLst/>
+                <a:latin typeface="Arial" panose="020B0604020202020204" pitchFamily="34" charset="0"/>
+              </a:rPr>
+              <a:t>Spring</a:t>
+            </a:r>
+            <a:r>
+              <a:rPr kumimoji="0" lang="en-US" altLang="en-US" sz="2600" b="0" i="0" u="none" strike="noStrike" cap="none" normalizeH="0" baseline="0" dirty="0">
+                <a:ln>
+                  <a:noFill/>
+                </a:ln>
+                <a:solidFill>
+                  <a:schemeClr val="tx1"/>
+                </a:solidFill>
+                <a:effectLst/>
+                <a:latin typeface="Arial" panose="020B0604020202020204" pitchFamily="34" charset="0"/>
+              </a:rPr>
+              <a:t> is a comprehensive, open-source framework for building </a:t>
+            </a:r>
+          </a:p>
+          <a:p>
+            <a:pPr marL="0" marR="0" lvl="0" indent="0" algn="just" defTabSz="914400" rtl="0" eaLnBrk="0" fontAlgn="base" latinLnBrk="0" hangingPunct="0">
+              <a:lnSpc>
+                <a:spcPct val="100000"/>
+              </a:lnSpc>
+              <a:spcBef>
+                <a:spcPct val="0"/>
+              </a:spcBef>
+              <a:spcAft>
+                <a:spcPct val="0"/>
+              </a:spcAft>
+              <a:buClrTx/>
+              <a:buSzTx/>
+              <a:buNone/>
+              <a:tabLst/>
+            </a:pPr>
+            <a:r>
+              <a:rPr kumimoji="0" lang="en-US" altLang="en-US" sz="2600" b="0" i="0" u="none" strike="noStrike" cap="none" normalizeH="0" baseline="0" dirty="0">
+                <a:ln>
+                  <a:noFill/>
+                </a:ln>
+                <a:solidFill>
+                  <a:schemeClr val="tx1"/>
+                </a:solidFill>
+                <a:effectLst/>
+                <a:latin typeface="Arial" panose="020B0604020202020204" pitchFamily="34" charset="0"/>
+              </a:rPr>
+              <a:t>Java applications.</a:t>
+            </a:r>
+          </a:p>
+          <a:p>
+            <a:pPr marL="0" marR="0" lvl="0" indent="0" algn="just" defTabSz="914400" rtl="0" eaLnBrk="0" fontAlgn="base" latinLnBrk="0" hangingPunct="0">
+              <a:lnSpc>
+                <a:spcPct val="100000"/>
+              </a:lnSpc>
+              <a:spcBef>
+                <a:spcPct val="0"/>
+              </a:spcBef>
+              <a:spcAft>
+                <a:spcPct val="0"/>
+              </a:spcAft>
+              <a:buClrTx/>
+              <a:buSzTx/>
+              <a:buNone/>
+              <a:tabLst/>
+            </a:pPr>
+            <a:endParaRPr kumimoji="0" lang="en-US" altLang="en-US" sz="2600" b="0" i="0" u="none" strike="noStrike" cap="none" normalizeH="0" baseline="0" dirty="0">
+              <a:ln>
+                <a:noFill/>
+              </a:ln>
+              <a:solidFill>
+                <a:schemeClr val="tx1"/>
+              </a:solidFill>
+              <a:effectLst/>
+              <a:latin typeface="Arial" panose="020B0604020202020204" pitchFamily="34" charset="0"/>
+            </a:endParaRPr>
+          </a:p>
+          <a:p>
+            <a:pPr marL="0" marR="0" lvl="0" indent="0" algn="just" defTabSz="914400" rtl="0" eaLnBrk="0" fontAlgn="base" latinLnBrk="0" hangingPunct="0">
+              <a:lnSpc>
+                <a:spcPct val="100000"/>
+              </a:lnSpc>
+              <a:spcBef>
+                <a:spcPct val="0"/>
+              </a:spcBef>
+              <a:spcAft>
+                <a:spcPct val="0"/>
+              </a:spcAft>
+              <a:buClrTx/>
+              <a:buSzTx/>
+              <a:buFontTx/>
+              <a:buChar char="•"/>
+              <a:tabLst/>
+            </a:pPr>
+            <a:r>
+              <a:rPr kumimoji="0" lang="en-US" altLang="en-US" sz="2600" b="0" i="0" u="none" strike="noStrike" cap="none" normalizeH="0" baseline="0" dirty="0">
+                <a:ln>
+                  <a:noFill/>
+                </a:ln>
+                <a:solidFill>
+                  <a:schemeClr val="tx1"/>
+                </a:solidFill>
+                <a:effectLst/>
+                <a:latin typeface="Arial" panose="020B0604020202020204" pitchFamily="34" charset="0"/>
+              </a:rPr>
+              <a:t>It provides a wide range of modules like:</a:t>
+            </a:r>
+          </a:p>
+          <a:p>
+            <a:pPr marL="914400" lvl="1" indent="-457200" algn="just" eaLnBrk="0" fontAlgn="base" hangingPunct="0">
+              <a:lnSpc>
+                <a:spcPct val="100000"/>
+              </a:lnSpc>
+              <a:spcBef>
+                <a:spcPct val="0"/>
+              </a:spcBef>
+              <a:spcAft>
+                <a:spcPct val="0"/>
+              </a:spcAft>
+              <a:buFont typeface="+mj-lt"/>
+              <a:buAutoNum type="alphaLcParenR"/>
+            </a:pPr>
+            <a:r>
+              <a:rPr kumimoji="0" lang="en-US" altLang="en-US" sz="2600" b="1" i="0" u="none" strike="noStrike" cap="none" normalizeH="0" baseline="0" dirty="0">
+                <a:ln>
+                  <a:noFill/>
+                </a:ln>
+                <a:solidFill>
+                  <a:schemeClr val="tx1"/>
+                </a:solidFill>
+                <a:effectLst/>
+                <a:latin typeface="Arial" panose="020B0604020202020204" pitchFamily="34" charset="0"/>
+              </a:rPr>
+              <a:t>Spring Core</a:t>
+            </a:r>
+            <a:endParaRPr kumimoji="0" lang="en-US" altLang="en-US" sz="2600" b="0" i="0" u="none" strike="noStrike" cap="none" normalizeH="0" baseline="0" dirty="0">
+              <a:ln>
+                <a:noFill/>
+              </a:ln>
+              <a:solidFill>
+                <a:schemeClr val="tx1"/>
+              </a:solidFill>
+              <a:effectLst/>
+              <a:latin typeface="Arial" panose="020B0604020202020204" pitchFamily="34" charset="0"/>
+            </a:endParaRPr>
+          </a:p>
+          <a:p>
+            <a:pPr marL="914400" lvl="1" indent="-457200" algn="just" eaLnBrk="0" fontAlgn="base" hangingPunct="0">
+              <a:lnSpc>
+                <a:spcPct val="100000"/>
+              </a:lnSpc>
+              <a:spcBef>
+                <a:spcPct val="0"/>
+              </a:spcBef>
+              <a:spcAft>
+                <a:spcPct val="0"/>
+              </a:spcAft>
+              <a:buFont typeface="+mj-lt"/>
+              <a:buAutoNum type="alphaLcParenR"/>
+            </a:pPr>
+            <a:r>
+              <a:rPr kumimoji="0" lang="en-US" altLang="en-US" sz="2600" b="1" i="0" u="none" strike="noStrike" cap="none" normalizeH="0" baseline="0" dirty="0">
+                <a:ln>
+                  <a:noFill/>
+                </a:ln>
+                <a:solidFill>
+                  <a:schemeClr val="tx1"/>
+                </a:solidFill>
+                <a:effectLst/>
+                <a:latin typeface="Arial" panose="020B0604020202020204" pitchFamily="34" charset="0"/>
+              </a:rPr>
+              <a:t>Spring </a:t>
+            </a:r>
+            <a:r>
+              <a:rPr lang="en-US" altLang="en-US" sz="2600" b="1" dirty="0"/>
+              <a:t>MVC</a:t>
+            </a:r>
+            <a:r>
+              <a:rPr kumimoji="0" lang="en-US" altLang="en-US" sz="2600" b="0" i="0" u="none" strike="noStrike" cap="none" normalizeH="0" baseline="0" dirty="0">
+                <a:ln>
+                  <a:noFill/>
+                </a:ln>
+                <a:solidFill>
+                  <a:schemeClr val="tx1"/>
+                </a:solidFill>
+                <a:effectLst/>
+                <a:latin typeface="Arial" panose="020B0604020202020204" pitchFamily="34" charset="0"/>
+              </a:rPr>
+              <a:t> (for web applications)</a:t>
+            </a:r>
+          </a:p>
+          <a:p>
+            <a:pPr marL="914400" lvl="1" indent="-457200" algn="just" eaLnBrk="0" fontAlgn="base" hangingPunct="0">
+              <a:lnSpc>
+                <a:spcPct val="100000"/>
+              </a:lnSpc>
+              <a:spcBef>
+                <a:spcPct val="0"/>
+              </a:spcBef>
+              <a:spcAft>
+                <a:spcPct val="0"/>
+              </a:spcAft>
+              <a:buFont typeface="+mj-lt"/>
+              <a:buAutoNum type="alphaLcParenR"/>
+            </a:pPr>
+            <a:r>
+              <a:rPr kumimoji="0" lang="en-US" altLang="en-US" sz="2600" b="1" i="0" u="none" strike="noStrike" cap="none" normalizeH="0" baseline="0" dirty="0">
+                <a:ln>
+                  <a:noFill/>
+                </a:ln>
+                <a:solidFill>
+                  <a:schemeClr val="tx1"/>
+                </a:solidFill>
+                <a:effectLst/>
+                <a:latin typeface="Arial" panose="020B0604020202020204" pitchFamily="34" charset="0"/>
+              </a:rPr>
+              <a:t>Spring AOP</a:t>
+            </a:r>
+            <a:r>
+              <a:rPr kumimoji="0" lang="en-US" altLang="en-US" sz="2600" b="0" i="0" u="none" strike="noStrike" cap="none" normalizeH="0" baseline="0" dirty="0">
+                <a:ln>
+                  <a:noFill/>
+                </a:ln>
+                <a:solidFill>
+                  <a:schemeClr val="tx1"/>
+                </a:solidFill>
+                <a:effectLst/>
+                <a:latin typeface="Arial" panose="020B0604020202020204" pitchFamily="34" charset="0"/>
+              </a:rPr>
+              <a:t> (Aspect-Oriented Programming)</a:t>
+            </a:r>
+          </a:p>
+          <a:p>
+            <a:pPr marL="914400" lvl="1" indent="-457200" algn="just" eaLnBrk="0" fontAlgn="base" hangingPunct="0">
+              <a:lnSpc>
+                <a:spcPct val="100000"/>
+              </a:lnSpc>
+              <a:spcBef>
+                <a:spcPct val="0"/>
+              </a:spcBef>
+              <a:spcAft>
+                <a:spcPct val="0"/>
+              </a:spcAft>
+              <a:buFont typeface="+mj-lt"/>
+              <a:buAutoNum type="alphaLcParenR"/>
+            </a:pPr>
+            <a:r>
+              <a:rPr kumimoji="0" lang="en-US" altLang="en-US" sz="2600" b="1" i="0" u="none" strike="noStrike" cap="none" normalizeH="0" baseline="0" dirty="0">
+                <a:ln>
+                  <a:noFill/>
+                </a:ln>
+                <a:solidFill>
+                  <a:schemeClr val="tx1"/>
+                </a:solidFill>
+                <a:effectLst/>
+                <a:latin typeface="Arial" panose="020B0604020202020204" pitchFamily="34" charset="0"/>
+              </a:rPr>
+              <a:t>Spring Security</a:t>
+            </a:r>
+            <a:r>
+              <a:rPr kumimoji="0" lang="en-US" altLang="en-US" sz="2600" b="0" i="0" u="none" strike="noStrike" cap="none" normalizeH="0" baseline="0" dirty="0">
+                <a:ln>
+                  <a:noFill/>
+                </a:ln>
+                <a:solidFill>
+                  <a:schemeClr val="tx1"/>
+                </a:solidFill>
+                <a:effectLst/>
+                <a:latin typeface="Arial" panose="020B0604020202020204" pitchFamily="34" charset="0"/>
+              </a:rPr>
+              <a:t>, </a:t>
+            </a:r>
+            <a:r>
+              <a:rPr kumimoji="0" lang="en-US" altLang="en-US" sz="2600" b="1" i="0" u="none" strike="noStrike" cap="none" normalizeH="0" baseline="0" dirty="0">
+                <a:ln>
+                  <a:noFill/>
+                </a:ln>
+                <a:solidFill>
+                  <a:schemeClr val="tx1"/>
+                </a:solidFill>
+                <a:effectLst/>
+                <a:latin typeface="Arial" panose="020B0604020202020204" pitchFamily="34" charset="0"/>
+              </a:rPr>
+              <a:t>Spring Data</a:t>
+            </a:r>
+            <a:r>
+              <a:rPr kumimoji="0" lang="en-US" altLang="en-US" sz="2600" b="0" i="0" u="none" strike="noStrike" cap="none" normalizeH="0" baseline="0" dirty="0">
+                <a:ln>
+                  <a:noFill/>
+                </a:ln>
+                <a:solidFill>
+                  <a:schemeClr val="tx1"/>
+                </a:solidFill>
+                <a:effectLst/>
+                <a:latin typeface="Arial" panose="020B0604020202020204" pitchFamily="34" charset="0"/>
+              </a:rPr>
+              <a:t>, and more.</a:t>
+            </a:r>
+          </a:p>
+          <a:p>
+            <a:pPr marL="457200" lvl="1" indent="0" algn="just" eaLnBrk="0" fontAlgn="base" hangingPunct="0">
+              <a:lnSpc>
+                <a:spcPct val="100000"/>
+              </a:lnSpc>
+              <a:spcBef>
+                <a:spcPct val="0"/>
+              </a:spcBef>
+              <a:spcAft>
+                <a:spcPct val="0"/>
+              </a:spcAft>
+              <a:buNone/>
+            </a:pPr>
+            <a:endParaRPr kumimoji="0" lang="en-US" altLang="en-US" sz="2600" b="0" i="0" u="none" strike="noStrike" cap="none" normalizeH="0" baseline="0" dirty="0">
+              <a:ln>
+                <a:noFill/>
+              </a:ln>
+              <a:solidFill>
+                <a:schemeClr val="tx1"/>
+              </a:solidFill>
+              <a:effectLst/>
+              <a:latin typeface="Arial" panose="020B0604020202020204" pitchFamily="34" charset="0"/>
+            </a:endParaRPr>
+          </a:p>
+          <a:p>
+            <a:pPr marL="0" marR="0" lvl="0" indent="0" algn="just" defTabSz="914400" rtl="0" eaLnBrk="0" fontAlgn="base" latinLnBrk="0" hangingPunct="0">
+              <a:lnSpc>
+                <a:spcPct val="100000"/>
+              </a:lnSpc>
+              <a:spcBef>
+                <a:spcPct val="0"/>
+              </a:spcBef>
+              <a:spcAft>
+                <a:spcPct val="0"/>
+              </a:spcAft>
+              <a:buClrTx/>
+              <a:buSzTx/>
+              <a:buFontTx/>
+              <a:buChar char="•"/>
+              <a:tabLst/>
+            </a:pPr>
+            <a:r>
+              <a:rPr kumimoji="0" lang="en-US" altLang="en-US" sz="2600" b="0" i="0" u="none" strike="noStrike" cap="none" normalizeH="0" baseline="0" dirty="0">
+                <a:ln>
+                  <a:noFill/>
+                </a:ln>
+                <a:solidFill>
+                  <a:schemeClr val="tx1"/>
+                </a:solidFill>
+                <a:effectLst/>
+                <a:latin typeface="Arial" panose="020B0604020202020204" pitchFamily="34" charset="0"/>
+              </a:rPr>
+              <a:t>Its main goal is to simplify enterprise Java development by </a:t>
+            </a:r>
+          </a:p>
+          <a:p>
+            <a:pPr marL="0" marR="0" lvl="0" indent="0" algn="just" defTabSz="914400" rtl="0" eaLnBrk="0" fontAlgn="base" latinLnBrk="0" hangingPunct="0">
+              <a:lnSpc>
+                <a:spcPct val="100000"/>
+              </a:lnSpc>
+              <a:spcBef>
+                <a:spcPct val="0"/>
+              </a:spcBef>
+              <a:spcAft>
+                <a:spcPct val="0"/>
+              </a:spcAft>
+              <a:buClrTx/>
+              <a:buSzTx/>
+              <a:buNone/>
+              <a:tabLst/>
+            </a:pPr>
+            <a:r>
+              <a:rPr kumimoji="0" lang="en-US" altLang="en-US" sz="2600" b="0" i="0" u="none" strike="noStrike" cap="none" normalizeH="0" baseline="0" dirty="0">
+                <a:ln>
+                  <a:noFill/>
+                </a:ln>
+                <a:solidFill>
+                  <a:schemeClr val="tx1"/>
+                </a:solidFill>
+                <a:effectLst/>
+                <a:latin typeface="Arial" panose="020B0604020202020204" pitchFamily="34" charset="0"/>
+              </a:rPr>
+              <a:t> promoting loose coupling through </a:t>
+            </a:r>
+            <a:r>
+              <a:rPr kumimoji="0" lang="en-US" altLang="en-US" sz="2600" b="0" i="1" u="none" strike="noStrike" cap="none" normalizeH="0" baseline="0" dirty="0">
+                <a:ln>
+                  <a:noFill/>
+                </a:ln>
+                <a:solidFill>
+                  <a:schemeClr val="tx1"/>
+                </a:solidFill>
+                <a:effectLst/>
+                <a:latin typeface="Arial" panose="020B0604020202020204" pitchFamily="34" charset="0"/>
+              </a:rPr>
+              <a:t>dependency injection (DI)</a:t>
+            </a:r>
+            <a:r>
+              <a:rPr kumimoji="0" lang="en-US" altLang="en-US" sz="2600" b="0" i="0" u="none" strike="noStrike" cap="none" normalizeH="0" baseline="0" dirty="0">
+                <a:ln>
+                  <a:noFill/>
+                </a:ln>
+                <a:solidFill>
+                  <a:schemeClr val="tx1"/>
+                </a:solidFill>
+                <a:effectLst/>
+                <a:latin typeface="Arial" panose="020B0604020202020204" pitchFamily="34" charset="0"/>
+              </a:rPr>
+              <a:t> and </a:t>
+            </a:r>
+          </a:p>
+          <a:p>
+            <a:pPr marL="0" marR="0" lvl="0" indent="0" algn="just" defTabSz="914400" rtl="0" eaLnBrk="0" fontAlgn="base" latinLnBrk="0" hangingPunct="0">
+              <a:lnSpc>
+                <a:spcPct val="100000"/>
+              </a:lnSpc>
+              <a:spcBef>
+                <a:spcPct val="0"/>
+              </a:spcBef>
+              <a:spcAft>
+                <a:spcPct val="0"/>
+              </a:spcAft>
+              <a:buClrTx/>
+              <a:buSzTx/>
+              <a:buNone/>
+              <a:tabLst/>
+            </a:pPr>
+            <a:r>
+              <a:rPr lang="en-US" altLang="en-US" sz="2600" dirty="0">
+                <a:latin typeface="Arial" panose="020B0604020202020204" pitchFamily="34" charset="0"/>
+              </a:rPr>
+              <a:t> </a:t>
+            </a:r>
+            <a:r>
+              <a:rPr kumimoji="0" lang="en-US" altLang="en-US" sz="2600" b="0" i="1" u="none" strike="noStrike" cap="none" normalizeH="0" baseline="0" dirty="0">
+                <a:ln>
+                  <a:noFill/>
+                </a:ln>
+                <a:solidFill>
+                  <a:schemeClr val="tx1"/>
+                </a:solidFill>
+                <a:effectLst/>
+                <a:latin typeface="Arial" panose="020B0604020202020204" pitchFamily="34" charset="0"/>
+              </a:rPr>
+              <a:t>aspect-oriented programming (AOP)</a:t>
+            </a:r>
+          </a:p>
+          <a:p>
+            <a:pPr marL="0" marR="0" lvl="0" indent="0" algn="just" defTabSz="914400" rtl="0" eaLnBrk="0" fontAlgn="base" latinLnBrk="0" hangingPunct="0">
+              <a:lnSpc>
+                <a:spcPct val="100000"/>
+              </a:lnSpc>
+              <a:spcBef>
+                <a:spcPct val="0"/>
+              </a:spcBef>
+              <a:spcAft>
+                <a:spcPct val="0"/>
+              </a:spcAft>
+              <a:buClrTx/>
+              <a:buSzTx/>
+              <a:buNone/>
+              <a:tabLst/>
+            </a:pPr>
+            <a:endParaRPr kumimoji="0" lang="en-US" altLang="en-US" sz="2600" b="0" i="0" u="none" strike="noStrike" cap="none" normalizeH="0" baseline="0" dirty="0">
+              <a:ln>
+                <a:noFill/>
+              </a:ln>
+              <a:solidFill>
+                <a:schemeClr val="tx1"/>
+              </a:solidFill>
+              <a:effectLst/>
+              <a:latin typeface="Arial" panose="020B0604020202020204" pitchFamily="34" charset="0"/>
+            </a:endParaRPr>
+          </a:p>
+        </p:txBody>
+      </p:sp>
+    </p:spTree>
+    <p:extLst>
+      <p:ext uri="{BB962C8B-B14F-4D97-AF65-F5344CB8AC3E}">
+        <p14:creationId xmlns:p14="http://schemas.microsoft.com/office/powerpoint/2010/main" val="1999674374"/>
+      </p:ext>
+    </p:extLst>
+  </p:cSld>
+  <p:clrMapOvr>
+    <a:masterClrMapping/>
+  </p:clrMapOvr>
+</p:sld>
+</file>
+
+<file path=ppt/slides/slide29.xml><?xml version="1.0" encoding="utf-8"?>
+<p:sld xmlns:a="http://schemas.openxmlformats.org/drawingml/2006/main" xmlns:r="http://schemas.openxmlformats.org/officeDocument/2006/relationships" xmlns:p="http://schemas.openxmlformats.org/presentationml/2006/main">
+  <p:cSld>
+    <p:spTree>
+      <p:nvGrpSpPr>
+        <p:cNvPr id="1" name=""/>
+        <p:cNvGrpSpPr/>
+        <p:nvPr/>
+      </p:nvGrpSpPr>
+      <p:grpSpPr>
+        <a:xfrm>
+          <a:off x="0" y="0"/>
+          <a:ext cx="0" cy="0"/>
+          <a:chOff x="0" y="0"/>
+          <a:chExt cx="0" cy="0"/>
+        </a:xfrm>
+      </p:grpSpPr>
+      <p:sp>
+        <p:nvSpPr>
+          <p:cNvPr id="2" name="Title 1">
+            <a:extLst>
+              <a:ext uri="{FF2B5EF4-FFF2-40B4-BE49-F238E27FC236}">
+                <a16:creationId xmlns:a16="http://schemas.microsoft.com/office/drawing/2014/main" id="{EB8C404A-504A-E1D5-DF33-E71228A2208D}"/>
+              </a:ext>
+            </a:extLst>
+          </p:cNvPr>
+          <p:cNvSpPr>
+            <a:spLocks noGrp="1"/>
+          </p:cNvSpPr>
+          <p:nvPr>
+            <p:ph type="title"/>
+          </p:nvPr>
+        </p:nvSpPr>
+        <p:spPr/>
+        <p:txBody>
+          <a:bodyPr>
+            <a:normAutofit/>
+          </a:bodyPr>
+          <a:lstStyle/>
+          <a:p>
+            <a:r>
+              <a:rPr lang="en-US" sz="4300" b="1" dirty="0"/>
+              <a:t>What is Spring Core ? </a:t>
+            </a:r>
+          </a:p>
+        </p:txBody>
+      </p:sp>
+      <p:sp>
+        <p:nvSpPr>
+          <p:cNvPr id="3" name="Content Placeholder 2">
+            <a:extLst>
+              <a:ext uri="{FF2B5EF4-FFF2-40B4-BE49-F238E27FC236}">
+                <a16:creationId xmlns:a16="http://schemas.microsoft.com/office/drawing/2014/main" id="{50E83103-0E5E-29C0-3052-5AA790C49B81}"/>
+              </a:ext>
+            </a:extLst>
+          </p:cNvPr>
+          <p:cNvSpPr>
+            <a:spLocks noGrp="1"/>
+          </p:cNvSpPr>
+          <p:nvPr>
+            <p:ph idx="1"/>
+          </p:nvPr>
+        </p:nvSpPr>
+        <p:spPr/>
+        <p:txBody>
+          <a:bodyPr>
+            <a:noAutofit/>
+          </a:bodyPr>
+          <a:lstStyle/>
+          <a:p>
+            <a:pPr algn="just"/>
+            <a:r>
+              <a:rPr lang="en-US" sz="2600" dirty="0"/>
+              <a:t>Spring Core is a fundamental part of the Spring Framework, a popular Java framework for building enterprise-level applications. It provides the core functionalities that form the backbone of the framework, enabling developers to create scalable, maintainable, and loosely coupled applications.</a:t>
+            </a:r>
+          </a:p>
+          <a:p>
+            <a:pPr algn="just"/>
+            <a:r>
+              <a:rPr lang="en-US" sz="2600" b="1" dirty="0"/>
+              <a:t>Key Features of Spring Core:</a:t>
+            </a:r>
+          </a:p>
+          <a:p>
+            <a:pPr marL="914400" lvl="1" indent="-457200" algn="just">
+              <a:buFont typeface="+mj-lt"/>
+              <a:buAutoNum type="alphaLcParenR"/>
+            </a:pPr>
+            <a:r>
+              <a:rPr lang="en-US" sz="2600" dirty="0"/>
+              <a:t>Inversion of Control (IoC) </a:t>
+            </a:r>
+          </a:p>
+          <a:p>
+            <a:pPr marL="914400" lvl="1" indent="-457200" algn="just">
+              <a:buFont typeface="+mj-lt"/>
+              <a:buAutoNum type="alphaLcParenR"/>
+            </a:pPr>
+            <a:r>
+              <a:rPr lang="en-US" sz="2600" dirty="0"/>
+              <a:t>Dependency Injection (DI)</a:t>
+            </a:r>
+          </a:p>
+          <a:p>
+            <a:pPr marL="914400" lvl="1" indent="-457200" algn="just">
+              <a:buFont typeface="+mj-lt"/>
+              <a:buAutoNum type="alphaLcParenR"/>
+            </a:pPr>
+            <a:r>
+              <a:rPr lang="en-US" sz="2600" dirty="0"/>
+              <a:t>Bean Management</a:t>
+            </a:r>
+          </a:p>
+          <a:p>
+            <a:pPr marL="914400" lvl="1" indent="-457200" algn="just">
+              <a:buFont typeface="+mj-lt"/>
+              <a:buAutoNum type="alphaLcParenR"/>
+            </a:pPr>
+            <a:r>
+              <a:rPr lang="en-US" sz="2600" dirty="0"/>
+              <a:t>Annotations and XML Configuration</a:t>
+            </a:r>
+          </a:p>
+          <a:p>
+            <a:pPr marL="914400" lvl="1" indent="-457200" algn="just">
+              <a:buFont typeface="+mj-lt"/>
+              <a:buAutoNum type="alphaLcParenR"/>
+            </a:pPr>
+            <a:r>
+              <a:rPr lang="en-US" sz="2600" dirty="0"/>
+              <a:t>Aspect-Oriented Programming (AOP)</a:t>
+            </a:r>
+          </a:p>
+        </p:txBody>
+      </p:sp>
+    </p:spTree>
+    <p:extLst>
+      <p:ext uri="{BB962C8B-B14F-4D97-AF65-F5344CB8AC3E}">
+        <p14:creationId xmlns:p14="http://schemas.microsoft.com/office/powerpoint/2010/main" val="604645103"/>
       </p:ext>
     </p:extLst>
   </p:cSld>
@@ -7391,6 +9077,623 @@
     <p:extLst>
       <p:ext uri="{BB962C8B-B14F-4D97-AF65-F5344CB8AC3E}">
         <p14:creationId xmlns:p14="http://schemas.microsoft.com/office/powerpoint/2010/main" val="2637595888"/>
+      </p:ext>
+    </p:extLst>
+  </p:cSld>
+  <p:clrMapOvr>
+    <a:masterClrMapping/>
+  </p:clrMapOvr>
+</p:sld>
+</file>
+
+<file path=ppt/slides/slide30.xml><?xml version="1.0" encoding="utf-8"?>
+<p:sld xmlns:a="http://schemas.openxmlformats.org/drawingml/2006/main" xmlns:r="http://schemas.openxmlformats.org/officeDocument/2006/relationships" xmlns:p="http://schemas.openxmlformats.org/presentationml/2006/main">
+  <p:cSld>
+    <p:spTree>
+      <p:nvGrpSpPr>
+        <p:cNvPr id="1" name=""/>
+        <p:cNvGrpSpPr/>
+        <p:nvPr/>
+      </p:nvGrpSpPr>
+      <p:grpSpPr>
+        <a:xfrm>
+          <a:off x="0" y="0"/>
+          <a:ext cx="0" cy="0"/>
+          <a:chOff x="0" y="0"/>
+          <a:chExt cx="0" cy="0"/>
+        </a:xfrm>
+      </p:grpSpPr>
+      <p:sp>
+        <p:nvSpPr>
+          <p:cNvPr id="3" name="Content Placeholder 2">
+            <a:extLst>
+              <a:ext uri="{FF2B5EF4-FFF2-40B4-BE49-F238E27FC236}">
+                <a16:creationId xmlns:a16="http://schemas.microsoft.com/office/drawing/2014/main" id="{AF4AE69C-1A59-B0BB-F47B-E56098FCE8A1}"/>
+              </a:ext>
+            </a:extLst>
+          </p:cNvPr>
+          <p:cNvSpPr>
+            <a:spLocks noGrp="1"/>
+          </p:cNvSpPr>
+          <p:nvPr>
+            <p:ph idx="1"/>
+          </p:nvPr>
+        </p:nvSpPr>
+        <p:spPr>
+          <a:xfrm>
+            <a:off x="435935" y="446567"/>
+            <a:ext cx="11355572" cy="6134986"/>
+          </a:xfrm>
+        </p:spPr>
+        <p:txBody>
+          <a:bodyPr>
+            <a:normAutofit/>
+          </a:bodyPr>
+          <a:lstStyle/>
+          <a:p>
+            <a:pPr lvl="0"/>
+            <a:r>
+              <a:rPr lang="en-US" dirty="0"/>
+              <a:t>Bean Management:</a:t>
+            </a:r>
+            <a:endParaRPr lang="en-US" sz="3200" dirty="0"/>
+          </a:p>
+          <a:p>
+            <a:pPr lvl="1"/>
+            <a:r>
+              <a:rPr lang="en-US" dirty="0"/>
+              <a:t>Spring Core allows you to define and manage beans (objects) in the application context.</a:t>
+            </a:r>
+          </a:p>
+          <a:p>
+            <a:pPr lvl="1"/>
+            <a:r>
+              <a:rPr lang="en-US" dirty="0"/>
+              <a:t>Beans can have different scopes, such as: </a:t>
+            </a:r>
+          </a:p>
+          <a:p>
+            <a:pPr lvl="2"/>
+            <a:r>
+              <a:rPr lang="en-US" sz="2400" dirty="0"/>
+              <a:t>Singleton (default)</a:t>
+            </a:r>
+          </a:p>
+          <a:p>
+            <a:pPr lvl="2"/>
+            <a:r>
+              <a:rPr lang="en-US" sz="2400" dirty="0"/>
+              <a:t>Prototype</a:t>
+            </a:r>
+          </a:p>
+          <a:p>
+            <a:pPr lvl="2"/>
+            <a:r>
+              <a:rPr lang="en-US" sz="2400" dirty="0"/>
+              <a:t>Request, Session, etc. (web-specific)</a:t>
+            </a:r>
+          </a:p>
+          <a:p>
+            <a:pPr lvl="0"/>
+            <a:r>
+              <a:rPr lang="en-US" dirty="0"/>
+              <a:t>Annotations and XML Configuration:</a:t>
+            </a:r>
+            <a:endParaRPr lang="en-US" sz="3200" dirty="0"/>
+          </a:p>
+          <a:p>
+            <a:pPr lvl="1"/>
+            <a:r>
+              <a:rPr lang="en-US" dirty="0"/>
+              <a:t>Spring Core supports both XML-based configuration and annotation-based configuration (e.g., @Component, @Autowired, @Configuration).</a:t>
+            </a:r>
+            <a:endParaRPr lang="en-US" sz="2800" dirty="0"/>
+          </a:p>
+          <a:p>
+            <a:pPr lvl="0"/>
+            <a:r>
+              <a:rPr lang="en-US" dirty="0"/>
+              <a:t>Aspect-Oriented Programming (AOP):</a:t>
+            </a:r>
+            <a:endParaRPr lang="en-US" sz="3200" dirty="0"/>
+          </a:p>
+          <a:p>
+            <a:pPr lvl="1"/>
+            <a:r>
+              <a:rPr lang="en-US" dirty="0"/>
+              <a:t>While not exclusive to Spring Core, AOP is often integrated with it to handle cross-cutting concerns like logging, security, and transaction management.</a:t>
+            </a:r>
+            <a:endParaRPr lang="en-US" sz="2800" dirty="0"/>
+          </a:p>
+          <a:p>
+            <a:endParaRPr lang="en-US" dirty="0"/>
+          </a:p>
+        </p:txBody>
+      </p:sp>
+    </p:spTree>
+    <p:extLst>
+      <p:ext uri="{BB962C8B-B14F-4D97-AF65-F5344CB8AC3E}">
+        <p14:creationId xmlns:p14="http://schemas.microsoft.com/office/powerpoint/2010/main" val="1710532343"/>
+      </p:ext>
+    </p:extLst>
+  </p:cSld>
+  <p:clrMapOvr>
+    <a:masterClrMapping/>
+  </p:clrMapOvr>
+</p:sld>
+</file>
+
+<file path=ppt/slides/slide31.xml><?xml version="1.0" encoding="utf-8"?>
+<p:sld xmlns:a="http://schemas.openxmlformats.org/drawingml/2006/main" xmlns:r="http://schemas.openxmlformats.org/officeDocument/2006/relationships" xmlns:p="http://schemas.openxmlformats.org/presentationml/2006/main">
+  <p:cSld>
+    <p:spTree>
+      <p:nvGrpSpPr>
+        <p:cNvPr id="1" name=""/>
+        <p:cNvGrpSpPr/>
+        <p:nvPr/>
+      </p:nvGrpSpPr>
+      <p:grpSpPr>
+        <a:xfrm>
+          <a:off x="0" y="0"/>
+          <a:ext cx="0" cy="0"/>
+          <a:chOff x="0" y="0"/>
+          <a:chExt cx="0" cy="0"/>
+        </a:xfrm>
+      </p:grpSpPr>
+      <p:sp>
+        <p:nvSpPr>
+          <p:cNvPr id="2" name="Title 1">
+            <a:extLst>
+              <a:ext uri="{FF2B5EF4-FFF2-40B4-BE49-F238E27FC236}">
+                <a16:creationId xmlns:a16="http://schemas.microsoft.com/office/drawing/2014/main" id="{EF3C5B7E-259B-6B5B-FE9B-60CE3D430CC8}"/>
+              </a:ext>
+            </a:extLst>
+          </p:cNvPr>
+          <p:cNvSpPr>
+            <a:spLocks noGrp="1"/>
+          </p:cNvSpPr>
+          <p:nvPr>
+            <p:ph type="title"/>
+          </p:nvPr>
+        </p:nvSpPr>
+        <p:spPr/>
+        <p:txBody>
+          <a:bodyPr>
+            <a:normAutofit/>
+          </a:bodyPr>
+          <a:lstStyle/>
+          <a:p>
+            <a:r>
+              <a:rPr lang="en-US" sz="4300" b="1" dirty="0"/>
+              <a:t>Spring Framework Architecture</a:t>
+            </a:r>
+            <a:br>
+              <a:rPr lang="en-US" sz="4300" dirty="0"/>
+            </a:br>
+            <a:endParaRPr lang="en-US" sz="4300" dirty="0"/>
+          </a:p>
+        </p:txBody>
+      </p:sp>
+      <p:sp>
+        <p:nvSpPr>
+          <p:cNvPr id="3" name="Content Placeholder 2">
+            <a:extLst>
+              <a:ext uri="{FF2B5EF4-FFF2-40B4-BE49-F238E27FC236}">
+                <a16:creationId xmlns:a16="http://schemas.microsoft.com/office/drawing/2014/main" id="{64485755-6D93-C334-BFB0-163DDFDD3109}"/>
+              </a:ext>
+            </a:extLst>
+          </p:cNvPr>
+          <p:cNvSpPr>
+            <a:spLocks noGrp="1"/>
+          </p:cNvSpPr>
+          <p:nvPr>
+            <p:ph idx="1"/>
+          </p:nvPr>
+        </p:nvSpPr>
+        <p:spPr>
+          <a:xfrm>
+            <a:off x="838200" y="1446028"/>
+            <a:ext cx="10900144" cy="5295014"/>
+          </a:xfrm>
+        </p:spPr>
+        <p:txBody>
+          <a:bodyPr>
+            <a:normAutofit/>
+          </a:bodyPr>
+          <a:lstStyle/>
+          <a:p>
+            <a:pPr algn="just"/>
+            <a:r>
+              <a:rPr lang="en-US" dirty="0"/>
+              <a:t>The </a:t>
+            </a:r>
+            <a:r>
+              <a:rPr lang="en-US" b="1" dirty="0"/>
+              <a:t>Spring framework</a:t>
+            </a:r>
+            <a:r>
+              <a:rPr lang="en-US" dirty="0"/>
+              <a:t> is a widely used open-source Java framework that provides a comprehensive programming and configuration model for building enterprise applications.</a:t>
+            </a:r>
+          </a:p>
+          <a:p>
+            <a:pPr algn="just"/>
+            <a:r>
+              <a:rPr lang="en-US" dirty="0"/>
+              <a:t>The Spring framework is modular and consists of several modules that provide different functionalities to help build enterprise applications. The modules can be broadly categorized into four main areas: </a:t>
+            </a:r>
+            <a:r>
+              <a:rPr lang="en-US" b="1" dirty="0"/>
+              <a:t>Core Container, Data Access/Integration, Web, and Miscellaneous.</a:t>
+            </a:r>
+            <a:r>
+              <a:rPr lang="en-US" dirty="0"/>
+              <a:t> </a:t>
+            </a:r>
+          </a:p>
+          <a:p>
+            <a:pPr algn="just"/>
+            <a:r>
+              <a:rPr lang="en-US" dirty="0"/>
+              <a:t>Here Aspect defines advice (actions) and pointcuts (where those actions apply). It defines </a:t>
+            </a:r>
+            <a:r>
+              <a:rPr lang="en-US" b="1" dirty="0"/>
+              <a:t>what</a:t>
+            </a:r>
+            <a:r>
+              <a:rPr lang="en-US" dirty="0"/>
+              <a:t> should happen and </a:t>
+            </a:r>
+            <a:r>
+              <a:rPr lang="en-US" b="1" dirty="0"/>
+              <a:t>where</a:t>
+            </a:r>
+            <a:r>
+              <a:rPr lang="en-US" dirty="0"/>
+              <a:t> it should happen.</a:t>
+            </a:r>
+          </a:p>
+          <a:p>
+            <a:pPr algn="just"/>
+            <a:r>
+              <a:rPr lang="en-US" dirty="0"/>
+              <a:t>And Test defines Unit testing, Integration testing and Web testing.</a:t>
+            </a:r>
+          </a:p>
+        </p:txBody>
+      </p:sp>
+    </p:spTree>
+    <p:extLst>
+      <p:ext uri="{BB962C8B-B14F-4D97-AF65-F5344CB8AC3E}">
+        <p14:creationId xmlns:p14="http://schemas.microsoft.com/office/powerpoint/2010/main" val="3690154575"/>
+      </p:ext>
+    </p:extLst>
+  </p:cSld>
+  <p:clrMapOvr>
+    <a:masterClrMapping/>
+  </p:clrMapOvr>
+</p:sld>
+</file>
+
+<file path=ppt/slides/slide32.xml><?xml version="1.0" encoding="utf-8"?>
+<p:sld xmlns:a="http://schemas.openxmlformats.org/drawingml/2006/main" xmlns:r="http://schemas.openxmlformats.org/officeDocument/2006/relationships" xmlns:p="http://schemas.openxmlformats.org/presentationml/2006/main">
+  <p:cSld>
+    <p:spTree>
+      <p:nvGrpSpPr>
+        <p:cNvPr id="1" name=""/>
+        <p:cNvGrpSpPr/>
+        <p:nvPr/>
+      </p:nvGrpSpPr>
+      <p:grpSpPr>
+        <a:xfrm>
+          <a:off x="0" y="0"/>
+          <a:ext cx="0" cy="0"/>
+          <a:chOff x="0" y="0"/>
+          <a:chExt cx="0" cy="0"/>
+        </a:xfrm>
+      </p:grpSpPr>
+      <p:pic>
+        <p:nvPicPr>
+          <p:cNvPr id="4" name="Content Placeholder 3">
+            <a:extLst>
+              <a:ext uri="{FF2B5EF4-FFF2-40B4-BE49-F238E27FC236}">
+                <a16:creationId xmlns:a16="http://schemas.microsoft.com/office/drawing/2014/main" id="{1FD9C8CD-8861-2A4C-45E4-BE8B07F263E7}"/>
+              </a:ext>
+            </a:extLst>
+          </p:cNvPr>
+          <p:cNvPicPr>
+            <a:picLocks noGrp="1" noChangeAspect="1"/>
+          </p:cNvPicPr>
+          <p:nvPr>
+            <p:ph idx="1"/>
+          </p:nvPr>
+        </p:nvPicPr>
+        <p:blipFill>
+          <a:blip r:embed="rId2">
+            <a:extLst>
+              <a:ext uri="{28A0092B-C50C-407E-A947-70E740481C1C}">
+                <a14:useLocalDpi xmlns:a14="http://schemas.microsoft.com/office/drawing/2010/main" val="0"/>
+              </a:ext>
+            </a:extLst>
+          </a:blip>
+          <a:stretch>
+            <a:fillRect/>
+          </a:stretch>
+        </p:blipFill>
+        <p:spPr>
+          <a:xfrm>
+            <a:off x="637598" y="489098"/>
+            <a:ext cx="11354909" cy="5996762"/>
+          </a:xfrm>
+          <a:prstGeom prst="rect">
+            <a:avLst/>
+          </a:prstGeom>
+        </p:spPr>
+      </p:pic>
+    </p:spTree>
+    <p:extLst>
+      <p:ext uri="{BB962C8B-B14F-4D97-AF65-F5344CB8AC3E}">
+        <p14:creationId xmlns:p14="http://schemas.microsoft.com/office/powerpoint/2010/main" val="4265479631"/>
+      </p:ext>
+    </p:extLst>
+  </p:cSld>
+  <p:clrMapOvr>
+    <a:masterClrMapping/>
+  </p:clrMapOvr>
+</p:sld>
+</file>
+
+<file path=ppt/slides/slide33.xml><?xml version="1.0" encoding="utf-8"?>
+<p:sld xmlns:a="http://schemas.openxmlformats.org/drawingml/2006/main" xmlns:r="http://schemas.openxmlformats.org/officeDocument/2006/relationships" xmlns:p="http://schemas.openxmlformats.org/presentationml/2006/main">
+  <p:cSld>
+    <p:spTree>
+      <p:nvGrpSpPr>
+        <p:cNvPr id="1" name=""/>
+        <p:cNvGrpSpPr/>
+        <p:nvPr/>
+      </p:nvGrpSpPr>
+      <p:grpSpPr>
+        <a:xfrm>
+          <a:off x="0" y="0"/>
+          <a:ext cx="0" cy="0"/>
+          <a:chOff x="0" y="0"/>
+          <a:chExt cx="0" cy="0"/>
+        </a:xfrm>
+      </p:grpSpPr>
+      <p:sp>
+        <p:nvSpPr>
+          <p:cNvPr id="2" name="Title 1">
+            <a:extLst>
+              <a:ext uri="{FF2B5EF4-FFF2-40B4-BE49-F238E27FC236}">
+                <a16:creationId xmlns:a16="http://schemas.microsoft.com/office/drawing/2014/main" id="{FDF42220-DA7C-380A-D451-E1F397496B64}"/>
+              </a:ext>
+            </a:extLst>
+          </p:cNvPr>
+          <p:cNvSpPr>
+            <a:spLocks noGrp="1"/>
+          </p:cNvSpPr>
+          <p:nvPr>
+            <p:ph type="title"/>
+          </p:nvPr>
+        </p:nvSpPr>
+        <p:spPr>
+          <a:xfrm>
+            <a:off x="838200" y="365125"/>
+            <a:ext cx="10515600" cy="623703"/>
+          </a:xfrm>
+        </p:spPr>
+        <p:txBody>
+          <a:bodyPr>
+            <a:normAutofit/>
+          </a:bodyPr>
+          <a:lstStyle/>
+          <a:p>
+            <a:r>
+              <a:rPr lang="en-US" sz="2800" b="1" dirty="0"/>
+              <a:t>Core Container</a:t>
+            </a:r>
+            <a:endParaRPr lang="en-US" sz="2800" dirty="0"/>
+          </a:p>
+        </p:txBody>
+      </p:sp>
+      <p:sp>
+        <p:nvSpPr>
+          <p:cNvPr id="3" name="Content Placeholder 2">
+            <a:extLst>
+              <a:ext uri="{FF2B5EF4-FFF2-40B4-BE49-F238E27FC236}">
+                <a16:creationId xmlns:a16="http://schemas.microsoft.com/office/drawing/2014/main" id="{6C50C3DF-790D-4468-2110-3B54BDE2450B}"/>
+              </a:ext>
+            </a:extLst>
+          </p:cNvPr>
+          <p:cNvSpPr>
+            <a:spLocks noGrp="1"/>
+          </p:cNvSpPr>
+          <p:nvPr>
+            <p:ph idx="1"/>
+          </p:nvPr>
+        </p:nvSpPr>
+        <p:spPr>
+          <a:xfrm>
+            <a:off x="838200" y="988828"/>
+            <a:ext cx="10515600" cy="5188135"/>
+          </a:xfrm>
+        </p:spPr>
+        <p:txBody>
+          <a:bodyPr>
+            <a:normAutofit fontScale="92500"/>
+          </a:bodyPr>
+          <a:lstStyle/>
+          <a:p>
+            <a:pPr lvl="0" algn="just"/>
+            <a:r>
+              <a:rPr lang="en-US" b="1" dirty="0"/>
+              <a:t>Spring Core: </a:t>
+            </a:r>
+            <a:r>
+              <a:rPr lang="en-US" dirty="0"/>
+              <a:t>This module provides the fundamental functionality of the Spring framework, including IoC and DI.</a:t>
+            </a:r>
+          </a:p>
+          <a:p>
+            <a:pPr lvl="0" algn="just"/>
+            <a:r>
+              <a:rPr lang="en-US" b="1" dirty="0"/>
+              <a:t>Spring Beans:</a:t>
+            </a:r>
+            <a:r>
+              <a:rPr lang="en-US" dirty="0"/>
+              <a:t> This module provides the </a:t>
+            </a:r>
+            <a:r>
+              <a:rPr lang="en-US" dirty="0" err="1"/>
+              <a:t>BeanFactory</a:t>
+            </a:r>
+            <a:r>
+              <a:rPr lang="en-US" dirty="0"/>
+              <a:t>, which is the basic building block of the IoC container, and the </a:t>
+            </a:r>
+            <a:r>
+              <a:rPr lang="en-US" dirty="0" err="1"/>
+              <a:t>BeanWrapper</a:t>
+            </a:r>
+            <a:r>
+              <a:rPr lang="en-US" dirty="0"/>
+              <a:t>, which is responsible for managing the lifecycle of a bean. The Bean Factory is the core interface for accessing the IoC container. It provides methods for retrieving beans.</a:t>
+            </a:r>
+          </a:p>
+          <a:p>
+            <a:pPr lvl="0" algn="just"/>
+            <a:r>
+              <a:rPr lang="en-US" b="1" dirty="0"/>
+              <a:t>Spring Context:</a:t>
+            </a:r>
+            <a:r>
+              <a:rPr lang="en-US" dirty="0"/>
+              <a:t> This module provides the </a:t>
+            </a:r>
+            <a:r>
+              <a:rPr lang="en-US" dirty="0" err="1"/>
+              <a:t>ApplicationContext</a:t>
+            </a:r>
+            <a:r>
+              <a:rPr lang="en-US" dirty="0"/>
+              <a:t>, which is an advanced version of the </a:t>
+            </a:r>
+            <a:r>
+              <a:rPr lang="en-US" dirty="0" err="1"/>
+              <a:t>BeanFactory</a:t>
+            </a:r>
+            <a:r>
+              <a:rPr lang="en-US" dirty="0"/>
+              <a:t> and provides additional features, such as internationalization and resource loading.</a:t>
+            </a:r>
+          </a:p>
+          <a:p>
+            <a:pPr lvl="0" algn="just"/>
+            <a:r>
+              <a:rPr lang="en-US" b="1" dirty="0"/>
+              <a:t>Spring Expression Language (</a:t>
+            </a:r>
+            <a:r>
+              <a:rPr lang="en-US" b="1" dirty="0" err="1"/>
+              <a:t>SpEL</a:t>
+            </a:r>
+            <a:r>
+              <a:rPr lang="en-US" b="1" dirty="0"/>
+              <a:t>):</a:t>
+            </a:r>
+            <a:r>
+              <a:rPr lang="en-US" dirty="0"/>
+              <a:t> This module provides a powerful expression language for querying and manipulating objects during runtime. </a:t>
+            </a:r>
+          </a:p>
+        </p:txBody>
+      </p:sp>
+    </p:spTree>
+    <p:extLst>
+      <p:ext uri="{BB962C8B-B14F-4D97-AF65-F5344CB8AC3E}">
+        <p14:creationId xmlns:p14="http://schemas.microsoft.com/office/powerpoint/2010/main" val="818050764"/>
+      </p:ext>
+    </p:extLst>
+  </p:cSld>
+  <p:clrMapOvr>
+    <a:masterClrMapping/>
+  </p:clrMapOvr>
+</p:sld>
+</file>
+
+<file path=ppt/slides/slide34.xml><?xml version="1.0" encoding="utf-8"?>
+<p:sld xmlns:a="http://schemas.openxmlformats.org/drawingml/2006/main" xmlns:r="http://schemas.openxmlformats.org/officeDocument/2006/relationships" xmlns:p="http://schemas.openxmlformats.org/presentationml/2006/main">
+  <p:cSld>
+    <p:spTree>
+      <p:nvGrpSpPr>
+        <p:cNvPr id="1" name=""/>
+        <p:cNvGrpSpPr/>
+        <p:nvPr/>
+      </p:nvGrpSpPr>
+      <p:grpSpPr>
+        <a:xfrm>
+          <a:off x="0" y="0"/>
+          <a:ext cx="0" cy="0"/>
+          <a:chOff x="0" y="0"/>
+          <a:chExt cx="0" cy="0"/>
+        </a:xfrm>
+      </p:grpSpPr>
+      <p:sp>
+        <p:nvSpPr>
+          <p:cNvPr id="2" name="Title 1">
+            <a:extLst>
+              <a:ext uri="{FF2B5EF4-FFF2-40B4-BE49-F238E27FC236}">
+                <a16:creationId xmlns:a16="http://schemas.microsoft.com/office/drawing/2014/main" id="{E1A99359-83DA-6D57-AFB8-39FF2225F97B}"/>
+              </a:ext>
+            </a:extLst>
+          </p:cNvPr>
+          <p:cNvSpPr>
+            <a:spLocks noGrp="1"/>
+          </p:cNvSpPr>
+          <p:nvPr>
+            <p:ph type="title"/>
+          </p:nvPr>
+        </p:nvSpPr>
+        <p:spPr/>
+        <p:txBody>
+          <a:bodyPr/>
+          <a:lstStyle/>
+          <a:p>
+            <a:endParaRPr lang="en-US"/>
+          </a:p>
+        </p:txBody>
+      </p:sp>
+      <p:sp>
+        <p:nvSpPr>
+          <p:cNvPr id="3" name="Content Placeholder 2">
+            <a:extLst>
+              <a:ext uri="{FF2B5EF4-FFF2-40B4-BE49-F238E27FC236}">
+                <a16:creationId xmlns:a16="http://schemas.microsoft.com/office/drawing/2014/main" id="{2038F473-07C1-13E4-699E-0024AA99961C}"/>
+              </a:ext>
+            </a:extLst>
+          </p:cNvPr>
+          <p:cNvSpPr>
+            <a:spLocks noGrp="1"/>
+          </p:cNvSpPr>
+          <p:nvPr>
+            <p:ph idx="1"/>
+          </p:nvPr>
+        </p:nvSpPr>
+        <p:spPr/>
+        <p:txBody>
+          <a:bodyPr/>
+          <a:lstStyle/>
+          <a:p>
+            <a:endParaRPr lang="en-US"/>
+          </a:p>
+        </p:txBody>
+      </p:sp>
+    </p:spTree>
+    <p:extLst>
+      <p:ext uri="{BB962C8B-B14F-4D97-AF65-F5344CB8AC3E}">
+        <p14:creationId xmlns:p14="http://schemas.microsoft.com/office/powerpoint/2010/main" val="826855039"/>
       </p:ext>
     </p:extLst>
   </p:cSld>
